--- a/3. classfier/classifier.pptx
+++ b/3. classfier/classifier.pptx
@@ -11,6 +11,22 @@
     <p:sldId id="294" r:id="rId5"/>
     <p:sldId id="295" r:id="rId6"/>
     <p:sldId id="298" r:id="rId7"/>
+    <p:sldId id="303" r:id="rId8"/>
+    <p:sldId id="304" r:id="rId9"/>
+    <p:sldId id="300" r:id="rId10"/>
+    <p:sldId id="302" r:id="rId11"/>
+    <p:sldId id="301" r:id="rId12"/>
+    <p:sldId id="308" r:id="rId13"/>
+    <p:sldId id="309" r:id="rId14"/>
+    <p:sldId id="310" r:id="rId15"/>
+    <p:sldId id="305" r:id="rId16"/>
+    <p:sldId id="312" r:id="rId17"/>
+    <p:sldId id="313" r:id="rId18"/>
+    <p:sldId id="306" r:id="rId19"/>
+    <p:sldId id="307" r:id="rId20"/>
+    <p:sldId id="317" r:id="rId21"/>
+    <p:sldId id="315" r:id="rId22"/>
+    <p:sldId id="316" r:id="rId23"/>
   </p:sldIdLst>
   <p:sldSz cx="12192000" cy="6858000"/>
   <p:notesSz cx="6858000" cy="9144000"/>
@@ -839,7 +855,7 @@
           <a:p>
             <a:fld id="{76107AEE-B8A2-46B4-BA97-F8BBDBCA08C2}" type="datetimeFigureOut">
               <a:rPr lang="zh-HK" altLang="en-US" smtClean="0"/>
-              <a:t>9/6/2021</a:t>
+              <a:t>14/6/2021</a:t>
             </a:fld>
             <a:endParaRPr lang="zh-HK" altLang="en-US"/>
           </a:p>
@@ -1090,7 +1106,7 @@
           <a:p>
             <a:fld id="{76107AEE-B8A2-46B4-BA97-F8BBDBCA08C2}" type="datetimeFigureOut">
               <a:rPr lang="zh-HK" altLang="en-US" smtClean="0"/>
-              <a:t>9/6/2021</a:t>
+              <a:t>14/6/2021</a:t>
             </a:fld>
             <a:endParaRPr lang="zh-HK" altLang="en-US"/>
           </a:p>
@@ -1404,7 +1420,7 @@
           <a:p>
             <a:fld id="{76107AEE-B8A2-46B4-BA97-F8BBDBCA08C2}" type="datetimeFigureOut">
               <a:rPr lang="zh-HK" altLang="en-US" smtClean="0"/>
-              <a:t>9/6/2021</a:t>
+              <a:t>14/6/2021</a:t>
             </a:fld>
             <a:endParaRPr lang="zh-HK" altLang="en-US"/>
           </a:p>
@@ -1745,7 +1761,7 @@
           <a:p>
             <a:fld id="{76107AEE-B8A2-46B4-BA97-F8BBDBCA08C2}" type="datetimeFigureOut">
               <a:rPr lang="zh-HK" altLang="en-US" smtClean="0"/>
-              <a:t>9/6/2021</a:t>
+              <a:t>14/6/2021</a:t>
             </a:fld>
             <a:endParaRPr lang="zh-HK" altLang="en-US"/>
           </a:p>
@@ -2059,7 +2075,7 @@
           <a:p>
             <a:fld id="{76107AEE-B8A2-46B4-BA97-F8BBDBCA08C2}" type="datetimeFigureOut">
               <a:rPr lang="zh-HK" altLang="en-US" smtClean="0"/>
-              <a:t>9/6/2021</a:t>
+              <a:t>14/6/2021</a:t>
             </a:fld>
             <a:endParaRPr lang="zh-HK" altLang="en-US"/>
           </a:p>
@@ -2452,7 +2468,7 @@
           <a:p>
             <a:fld id="{76107AEE-B8A2-46B4-BA97-F8BBDBCA08C2}" type="datetimeFigureOut">
               <a:rPr lang="zh-HK" altLang="en-US" smtClean="0"/>
-              <a:t>9/6/2021</a:t>
+              <a:t>14/6/2021</a:t>
             </a:fld>
             <a:endParaRPr lang="zh-HK" altLang="en-US"/>
           </a:p>
@@ -2622,7 +2638,7 @@
           <a:p>
             <a:fld id="{76107AEE-B8A2-46B4-BA97-F8BBDBCA08C2}" type="datetimeFigureOut">
               <a:rPr lang="zh-HK" altLang="en-US" smtClean="0"/>
-              <a:t>9/6/2021</a:t>
+              <a:t>14/6/2021</a:t>
             </a:fld>
             <a:endParaRPr lang="zh-HK" altLang="en-US"/>
           </a:p>
@@ -2802,7 +2818,7 @@
           <a:p>
             <a:fld id="{76107AEE-B8A2-46B4-BA97-F8BBDBCA08C2}" type="datetimeFigureOut">
               <a:rPr lang="zh-HK" altLang="en-US" smtClean="0"/>
-              <a:t>9/6/2021</a:t>
+              <a:t>14/6/2021</a:t>
             </a:fld>
             <a:endParaRPr lang="zh-HK" altLang="en-US"/>
           </a:p>
@@ -2978,7 +2994,7 @@
           <a:p>
             <a:fld id="{76107AEE-B8A2-46B4-BA97-F8BBDBCA08C2}" type="datetimeFigureOut">
               <a:rPr lang="zh-HK" altLang="en-US" smtClean="0"/>
-              <a:t>9/6/2021</a:t>
+              <a:t>14/6/2021</a:t>
             </a:fld>
             <a:endParaRPr lang="zh-HK" altLang="en-US"/>
           </a:p>
@@ -3225,7 +3241,7 @@
           <a:p>
             <a:fld id="{76107AEE-B8A2-46B4-BA97-F8BBDBCA08C2}" type="datetimeFigureOut">
               <a:rPr lang="zh-HK" altLang="en-US" smtClean="0"/>
-              <a:t>9/6/2021</a:t>
+              <a:t>14/6/2021</a:t>
             </a:fld>
             <a:endParaRPr lang="zh-HK" altLang="en-US"/>
           </a:p>
@@ -3457,7 +3473,7 @@
           <a:p>
             <a:fld id="{76107AEE-B8A2-46B4-BA97-F8BBDBCA08C2}" type="datetimeFigureOut">
               <a:rPr lang="zh-HK" altLang="en-US" smtClean="0"/>
-              <a:t>9/6/2021</a:t>
+              <a:t>14/6/2021</a:t>
             </a:fld>
             <a:endParaRPr lang="zh-HK" altLang="en-US"/>
           </a:p>
@@ -3831,7 +3847,7 @@
           <a:p>
             <a:fld id="{76107AEE-B8A2-46B4-BA97-F8BBDBCA08C2}" type="datetimeFigureOut">
               <a:rPr lang="zh-HK" altLang="en-US" smtClean="0"/>
-              <a:t>9/6/2021</a:t>
+              <a:t>14/6/2021</a:t>
             </a:fld>
             <a:endParaRPr lang="zh-HK" altLang="en-US"/>
           </a:p>
@@ -3954,7 +3970,7 @@
           <a:p>
             <a:fld id="{76107AEE-B8A2-46B4-BA97-F8BBDBCA08C2}" type="datetimeFigureOut">
               <a:rPr lang="zh-HK" altLang="en-US" smtClean="0"/>
-              <a:t>9/6/2021</a:t>
+              <a:t>14/6/2021</a:t>
             </a:fld>
             <a:endParaRPr lang="zh-HK" altLang="en-US"/>
           </a:p>
@@ -4049,7 +4065,7 @@
           <a:p>
             <a:fld id="{76107AEE-B8A2-46B4-BA97-F8BBDBCA08C2}" type="datetimeFigureOut">
               <a:rPr lang="zh-HK" altLang="en-US" smtClean="0"/>
-              <a:t>9/6/2021</a:t>
+              <a:t>14/6/2021</a:t>
             </a:fld>
             <a:endParaRPr lang="zh-HK" altLang="en-US"/>
           </a:p>
@@ -4304,7 +4320,7 @@
           <a:p>
             <a:fld id="{76107AEE-B8A2-46B4-BA97-F8BBDBCA08C2}" type="datetimeFigureOut">
               <a:rPr lang="zh-HK" altLang="en-US" smtClean="0"/>
-              <a:t>9/6/2021</a:t>
+              <a:t>14/6/2021</a:t>
             </a:fld>
             <a:endParaRPr lang="zh-HK" altLang="en-US"/>
           </a:p>
@@ -4567,7 +4583,7 @@
           <a:p>
             <a:fld id="{76107AEE-B8A2-46B4-BA97-F8BBDBCA08C2}" type="datetimeFigureOut">
               <a:rPr lang="zh-HK" altLang="en-US" smtClean="0"/>
-              <a:t>9/6/2021</a:t>
+              <a:t>14/6/2021</a:t>
             </a:fld>
             <a:endParaRPr lang="zh-HK" altLang="en-US"/>
           </a:p>
@@ -5310,7 +5326,7 @@
           <a:p>
             <a:fld id="{76107AEE-B8A2-46B4-BA97-F8BBDBCA08C2}" type="datetimeFigureOut">
               <a:rPr lang="zh-HK" altLang="en-US" smtClean="0"/>
-              <a:t>9/6/2021</a:t>
+              <a:t>14/6/2021</a:t>
             </a:fld>
             <a:endParaRPr lang="zh-HK" altLang="en-US"/>
           </a:p>
@@ -5853,7 +5869,7 @@
         <p:spPr>
           <a:xfrm>
             <a:off x="379602" y="2404531"/>
-            <a:ext cx="9652165" cy="1646302"/>
+            <a:ext cx="10305331" cy="1646302"/>
           </a:xfrm>
         </p:spPr>
         <p:txBody>
@@ -5866,7 +5882,7 @@
                 <a:effectLst/>
                 <a:latin typeface="-apple-system"/>
               </a:rPr>
-              <a:t>Stakeholder analysis on Pokémon Battle Performance Model</a:t>
+              <a:t>Pokémon Battle Outcome Classifier</a:t>
             </a:r>
             <a:endParaRPr lang="zh-HK" altLang="en-US" dirty="0"/>
           </a:p>
@@ -5905,6 +5921,1979 @@
     <p:extLst>
       <p:ext uri="{BB962C8B-B14F-4D97-AF65-F5344CB8AC3E}">
         <p14:creationId xmlns:p14="http://schemas.microsoft.com/office/powerpoint/2010/main" val="1455627045"/>
+      </p:ext>
+    </p:extLst>
+  </p:cSld>
+  <p:clrMapOvr>
+    <a:masterClrMapping/>
+  </p:clrMapOvr>
+</p:sld>
+</file>
+
+<file path=ppt/slides/slide10.xml><?xml version="1.0" encoding="utf-8"?>
+<p:sld xmlns:a="http://schemas.openxmlformats.org/drawingml/2006/main" xmlns:r="http://schemas.openxmlformats.org/officeDocument/2006/relationships" xmlns:p="http://schemas.openxmlformats.org/presentationml/2006/main">
+  <p:cSld>
+    <p:spTree>
+      <p:nvGrpSpPr>
+        <p:cNvPr id="1" name=""/>
+        <p:cNvGrpSpPr/>
+        <p:nvPr/>
+      </p:nvGrpSpPr>
+      <p:grpSpPr>
+        <a:xfrm>
+          <a:off x="0" y="0"/>
+          <a:ext cx="0" cy="0"/>
+          <a:chOff x="0" y="0"/>
+          <a:chExt cx="0" cy="0"/>
+        </a:xfrm>
+      </p:grpSpPr>
+      <p:sp>
+        <p:nvSpPr>
+          <p:cNvPr id="2" name="標題 1">
+            <a:extLst>
+              <a:ext uri="{FF2B5EF4-FFF2-40B4-BE49-F238E27FC236}">
+                <a16:creationId xmlns:a16="http://schemas.microsoft.com/office/drawing/2014/main" id="{007AEB34-9563-4734-8B5D-BC2C3851CD30}"/>
+              </a:ext>
+            </a:extLst>
+          </p:cNvPr>
+          <p:cNvSpPr>
+            <a:spLocks noGrp="1"/>
+          </p:cNvSpPr>
+          <p:nvPr>
+            <p:ph type="title"/>
+          </p:nvPr>
+        </p:nvSpPr>
+        <p:spPr/>
+        <p:txBody>
+          <a:bodyPr/>
+          <a:lstStyle/>
+          <a:p>
+            <a:r>
+              <a:rPr lang="en-US" altLang="zh-HK" dirty="0"/>
+              <a:t>Data collection </a:t>
+            </a:r>
+            <a:endParaRPr lang="zh-HK" altLang="en-US" dirty="0"/>
+          </a:p>
+        </p:txBody>
+      </p:sp>
+      <p:sp>
+        <p:nvSpPr>
+          <p:cNvPr id="3" name="內容版面配置區 2">
+            <a:extLst>
+              <a:ext uri="{FF2B5EF4-FFF2-40B4-BE49-F238E27FC236}">
+                <a16:creationId xmlns:a16="http://schemas.microsoft.com/office/drawing/2014/main" id="{FC914F9B-4F2F-4D4E-816D-35AEF4651824}"/>
+              </a:ext>
+            </a:extLst>
+          </p:cNvPr>
+          <p:cNvSpPr>
+            <a:spLocks noGrp="1"/>
+          </p:cNvSpPr>
+          <p:nvPr>
+            <p:ph idx="1"/>
+          </p:nvPr>
+        </p:nvSpPr>
+        <p:spPr/>
+        <p:txBody>
+          <a:bodyPr/>
+          <a:lstStyle/>
+          <a:p>
+            <a:r>
+              <a:rPr lang="en-US" altLang="zh-HK" dirty="0"/>
+              <a:t>Pokémon 1v1 battle data, from </a:t>
+            </a:r>
+            <a:r>
+              <a:rPr lang="en-US" altLang="zh-HK" dirty="0">
+                <a:solidFill>
+                  <a:srgbClr val="0070C0"/>
+                </a:solidFill>
+                <a:hlinkClick r:id="rId2"/>
+              </a:rPr>
+              <a:t>https://pokemonshowdown.com/</a:t>
+            </a:r>
+            <a:r>
+              <a:rPr lang="en-US" altLang="zh-HK" dirty="0">
+                <a:solidFill>
+                  <a:srgbClr val="0070C0"/>
+                </a:solidFill>
+              </a:rPr>
+              <a:t> </a:t>
+            </a:r>
+            <a:endParaRPr lang="zh-HK" altLang="en-US" dirty="0">
+              <a:solidFill>
+                <a:srgbClr val="0070C0"/>
+              </a:solidFill>
+            </a:endParaRPr>
+          </a:p>
+          <a:p>
+            <a:endParaRPr lang="zh-HK" altLang="en-US" dirty="0"/>
+          </a:p>
+        </p:txBody>
+      </p:sp>
+      <p:pic>
+        <p:nvPicPr>
+          <p:cNvPr id="5" name="圖片 4" descr="一張含有 文字 的圖片&#10;&#10;自動產生的描述">
+            <a:extLst>
+              <a:ext uri="{FF2B5EF4-FFF2-40B4-BE49-F238E27FC236}">
+                <a16:creationId xmlns:a16="http://schemas.microsoft.com/office/drawing/2014/main" id="{59BEFDA7-02C6-427F-9757-D887AD0FB609}"/>
+              </a:ext>
+            </a:extLst>
+          </p:cNvPr>
+          <p:cNvPicPr>
+            <a:picLocks noChangeAspect="1"/>
+          </p:cNvPicPr>
+          <p:nvPr/>
+        </p:nvPicPr>
+        <p:blipFill>
+          <a:blip r:embed="rId3">
+            <a:extLst>
+              <a:ext uri="{28A0092B-C50C-407E-A947-70E740481C1C}">
+                <a14:useLocalDpi xmlns:a14="http://schemas.microsoft.com/office/drawing/2010/main" val="0"/>
+              </a:ext>
+            </a:extLst>
+          </a:blip>
+          <a:stretch>
+            <a:fillRect/>
+          </a:stretch>
+        </p:blipFill>
+        <p:spPr>
+          <a:xfrm>
+            <a:off x="2054642" y="2641434"/>
+            <a:ext cx="5757863" cy="4011402"/>
+          </a:xfrm>
+          <a:prstGeom prst="rect">
+            <a:avLst/>
+          </a:prstGeom>
+        </p:spPr>
+      </p:pic>
+    </p:spTree>
+    <p:extLst>
+      <p:ext uri="{BB962C8B-B14F-4D97-AF65-F5344CB8AC3E}">
+        <p14:creationId xmlns:p14="http://schemas.microsoft.com/office/powerpoint/2010/main" val="585338777"/>
+      </p:ext>
+    </p:extLst>
+  </p:cSld>
+  <p:clrMapOvr>
+    <a:masterClrMapping/>
+  </p:clrMapOvr>
+</p:sld>
+</file>
+
+<file path=ppt/slides/slide11.xml><?xml version="1.0" encoding="utf-8"?>
+<p:sld xmlns:a="http://schemas.openxmlformats.org/drawingml/2006/main" xmlns:r="http://schemas.openxmlformats.org/officeDocument/2006/relationships" xmlns:p="http://schemas.openxmlformats.org/presentationml/2006/main">
+  <p:cSld>
+    <p:spTree>
+      <p:nvGrpSpPr>
+        <p:cNvPr id="1" name=""/>
+        <p:cNvGrpSpPr/>
+        <p:nvPr/>
+      </p:nvGrpSpPr>
+      <p:grpSpPr>
+        <a:xfrm>
+          <a:off x="0" y="0"/>
+          <a:ext cx="0" cy="0"/>
+          <a:chOff x="0" y="0"/>
+          <a:chExt cx="0" cy="0"/>
+        </a:xfrm>
+      </p:grpSpPr>
+      <p:sp>
+        <p:nvSpPr>
+          <p:cNvPr id="2" name="標題 1">
+            <a:extLst>
+              <a:ext uri="{FF2B5EF4-FFF2-40B4-BE49-F238E27FC236}">
+                <a16:creationId xmlns:a16="http://schemas.microsoft.com/office/drawing/2014/main" id="{FB3D1FEB-5F23-4C3B-B6AE-CBE9D8B6EAF9}"/>
+              </a:ext>
+            </a:extLst>
+          </p:cNvPr>
+          <p:cNvSpPr>
+            <a:spLocks noGrp="1"/>
+          </p:cNvSpPr>
+          <p:nvPr>
+            <p:ph type="title"/>
+          </p:nvPr>
+        </p:nvSpPr>
+        <p:spPr/>
+        <p:txBody>
+          <a:bodyPr/>
+          <a:lstStyle/>
+          <a:p>
+            <a:r>
+              <a:rPr lang="en-US" altLang="zh-HK" dirty="0"/>
+              <a:t>Data format</a:t>
+            </a:r>
+            <a:endParaRPr lang="zh-HK" altLang="en-US" dirty="0"/>
+          </a:p>
+        </p:txBody>
+      </p:sp>
+      <p:sp>
+        <p:nvSpPr>
+          <p:cNvPr id="3" name="內容版面配置區 2">
+            <a:extLst>
+              <a:ext uri="{FF2B5EF4-FFF2-40B4-BE49-F238E27FC236}">
+                <a16:creationId xmlns:a16="http://schemas.microsoft.com/office/drawing/2014/main" id="{D9B8E4B2-00B6-4B6D-A4E9-549F19204598}"/>
+              </a:ext>
+            </a:extLst>
+          </p:cNvPr>
+          <p:cNvSpPr>
+            <a:spLocks noGrp="1"/>
+          </p:cNvSpPr>
+          <p:nvPr>
+            <p:ph idx="1"/>
+          </p:nvPr>
+        </p:nvSpPr>
+        <p:spPr>
+          <a:xfrm>
+            <a:off x="452745" y="1772777"/>
+            <a:ext cx="8596668" cy="3880773"/>
+          </a:xfrm>
+        </p:spPr>
+        <p:txBody>
+          <a:bodyPr/>
+          <a:lstStyle/>
+          <a:p>
+            <a:r>
+              <a:rPr lang="en-US" altLang="zh-HK" dirty="0"/>
+              <a:t>Each battle is a row of data</a:t>
+            </a:r>
+          </a:p>
+          <a:p>
+            <a:r>
+              <a:rPr lang="en-US" altLang="zh-HK" dirty="0"/>
+              <a:t>Contains base stats of pokemon1, pokemon2 (predictors) </a:t>
+            </a:r>
+          </a:p>
+          <a:p>
+            <a:r>
+              <a:rPr lang="en-US" altLang="zh-HK" dirty="0"/>
+              <a:t>Labels (target) is whether pokemon1 won that battle (1: won, 0: lost)</a:t>
+            </a:r>
+          </a:p>
+          <a:p>
+            <a:endParaRPr lang="en-US" altLang="zh-HK" dirty="0"/>
+          </a:p>
+          <a:p>
+            <a:endParaRPr lang="zh-HK" altLang="en-US" dirty="0"/>
+          </a:p>
+        </p:txBody>
+      </p:sp>
+      <p:pic>
+        <p:nvPicPr>
+          <p:cNvPr id="5" name="圖片 4" descr="一張含有 文字, 計分板 的圖片&#10;&#10;自動產生的描述">
+            <a:extLst>
+              <a:ext uri="{FF2B5EF4-FFF2-40B4-BE49-F238E27FC236}">
+                <a16:creationId xmlns:a16="http://schemas.microsoft.com/office/drawing/2014/main" id="{F15393E7-0B41-401E-8063-CE57E8A0A90D}"/>
+              </a:ext>
+            </a:extLst>
+          </p:cNvPr>
+          <p:cNvPicPr>
+            <a:picLocks noChangeAspect="1"/>
+          </p:cNvPicPr>
+          <p:nvPr/>
+        </p:nvPicPr>
+        <p:blipFill>
+          <a:blip r:embed="rId2">
+            <a:extLst>
+              <a:ext uri="{28A0092B-C50C-407E-A947-70E740481C1C}">
+                <a14:useLocalDpi xmlns:a14="http://schemas.microsoft.com/office/drawing/2010/main" val="0"/>
+              </a:ext>
+            </a:extLst>
+          </a:blip>
+          <a:stretch>
+            <a:fillRect/>
+          </a:stretch>
+        </p:blipFill>
+        <p:spPr>
+          <a:xfrm>
+            <a:off x="608606" y="4032108"/>
+            <a:ext cx="6324600" cy="1552575"/>
+          </a:xfrm>
+          <a:prstGeom prst="rect">
+            <a:avLst/>
+          </a:prstGeom>
+        </p:spPr>
+      </p:pic>
+      <p:pic>
+        <p:nvPicPr>
+          <p:cNvPr id="7" name="圖片 6" descr="一張含有 文字, 匾額 的圖片&#10;&#10;自動產生的描述">
+            <a:extLst>
+              <a:ext uri="{FF2B5EF4-FFF2-40B4-BE49-F238E27FC236}">
+                <a16:creationId xmlns:a16="http://schemas.microsoft.com/office/drawing/2014/main" id="{9EE432CC-9D3B-454A-B9B7-6711E7853A12}"/>
+              </a:ext>
+            </a:extLst>
+          </p:cNvPr>
+          <p:cNvPicPr>
+            <a:picLocks noChangeAspect="1"/>
+          </p:cNvPicPr>
+          <p:nvPr/>
+        </p:nvPicPr>
+        <p:blipFill>
+          <a:blip r:embed="rId3">
+            <a:extLst>
+              <a:ext uri="{28A0092B-C50C-407E-A947-70E740481C1C}">
+                <a14:useLocalDpi xmlns:a14="http://schemas.microsoft.com/office/drawing/2010/main" val="0"/>
+              </a:ext>
+            </a:extLst>
+          </a:blip>
+          <a:stretch>
+            <a:fillRect/>
+          </a:stretch>
+        </p:blipFill>
+        <p:spPr>
+          <a:xfrm>
+            <a:off x="7422588" y="3236913"/>
+            <a:ext cx="2857500" cy="3381375"/>
+          </a:xfrm>
+          <a:prstGeom prst="rect">
+            <a:avLst/>
+          </a:prstGeom>
+        </p:spPr>
+      </p:pic>
+    </p:spTree>
+    <p:extLst>
+      <p:ext uri="{BB962C8B-B14F-4D97-AF65-F5344CB8AC3E}">
+        <p14:creationId xmlns:p14="http://schemas.microsoft.com/office/powerpoint/2010/main" val="1316913390"/>
+      </p:ext>
+    </p:extLst>
+  </p:cSld>
+  <p:clrMapOvr>
+    <a:masterClrMapping/>
+  </p:clrMapOvr>
+</p:sld>
+</file>
+
+<file path=ppt/slides/slide12.xml><?xml version="1.0" encoding="utf-8"?>
+<p:sld xmlns:a="http://schemas.openxmlformats.org/drawingml/2006/main" xmlns:r="http://schemas.openxmlformats.org/officeDocument/2006/relationships" xmlns:p="http://schemas.openxmlformats.org/presentationml/2006/main">
+  <p:cSld>
+    <p:spTree>
+      <p:nvGrpSpPr>
+        <p:cNvPr id="1" name=""/>
+        <p:cNvGrpSpPr/>
+        <p:nvPr/>
+      </p:nvGrpSpPr>
+      <p:grpSpPr>
+        <a:xfrm>
+          <a:off x="0" y="0"/>
+          <a:ext cx="0" cy="0"/>
+          <a:chOff x="0" y="0"/>
+          <a:chExt cx="0" cy="0"/>
+        </a:xfrm>
+      </p:grpSpPr>
+      <p:sp>
+        <p:nvSpPr>
+          <p:cNvPr id="2" name="標題 1">
+            <a:extLst>
+              <a:ext uri="{FF2B5EF4-FFF2-40B4-BE49-F238E27FC236}">
+                <a16:creationId xmlns:a16="http://schemas.microsoft.com/office/drawing/2014/main" id="{A33076EE-9E18-413F-88A9-CA9FA2E93C59}"/>
+              </a:ext>
+            </a:extLst>
+          </p:cNvPr>
+          <p:cNvSpPr>
+            <a:spLocks noGrp="1"/>
+          </p:cNvSpPr>
+          <p:nvPr>
+            <p:ph type="title"/>
+          </p:nvPr>
+        </p:nvSpPr>
+        <p:spPr/>
+        <p:txBody>
+          <a:bodyPr/>
+          <a:lstStyle/>
+          <a:p>
+            <a:r>
+              <a:rPr lang="en-US" altLang="zh-HK" dirty="0"/>
+              <a:t>Data cleaning </a:t>
+            </a:r>
+            <a:endParaRPr lang="zh-HK" altLang="en-US" dirty="0"/>
+          </a:p>
+        </p:txBody>
+      </p:sp>
+      <p:sp>
+        <p:nvSpPr>
+          <p:cNvPr id="3" name="內容版面配置區 2">
+            <a:extLst>
+              <a:ext uri="{FF2B5EF4-FFF2-40B4-BE49-F238E27FC236}">
+                <a16:creationId xmlns:a16="http://schemas.microsoft.com/office/drawing/2014/main" id="{4D1533A0-19CB-454A-A1AA-7BC5087C9144}"/>
+              </a:ext>
+            </a:extLst>
+          </p:cNvPr>
+          <p:cNvSpPr>
+            <a:spLocks noGrp="1"/>
+          </p:cNvSpPr>
+          <p:nvPr>
+            <p:ph idx="1"/>
+          </p:nvPr>
+        </p:nvSpPr>
+        <p:spPr/>
+        <p:txBody>
+          <a:bodyPr/>
+          <a:lstStyle/>
+          <a:p>
+            <a:r>
+              <a:rPr lang="en-US" altLang="zh-HK" dirty="0"/>
+              <a:t>Since the raw data was collected from previous projects, Null data is confirmed to be excluded </a:t>
+            </a:r>
+          </a:p>
+          <a:p>
+            <a:r>
+              <a:rPr lang="en-US" altLang="zh-HK" dirty="0"/>
+              <a:t>Only need to get rid of the duplicated rows</a:t>
+            </a:r>
+            <a:endParaRPr lang="en-US" altLang="zh-HK" b="0" dirty="0">
+              <a:solidFill>
+                <a:srgbClr val="000000"/>
+              </a:solidFill>
+              <a:effectLst/>
+              <a:latin typeface="Consolas" panose="020B0609020204030204" pitchFamily="49" charset="0"/>
+            </a:endParaRPr>
+          </a:p>
+          <a:p>
+            <a:endParaRPr lang="zh-HK" altLang="en-US" dirty="0"/>
+          </a:p>
+        </p:txBody>
+      </p:sp>
+    </p:spTree>
+    <p:extLst>
+      <p:ext uri="{BB962C8B-B14F-4D97-AF65-F5344CB8AC3E}">
+        <p14:creationId xmlns:p14="http://schemas.microsoft.com/office/powerpoint/2010/main" val="3484418254"/>
+      </p:ext>
+    </p:extLst>
+  </p:cSld>
+  <p:clrMapOvr>
+    <a:masterClrMapping/>
+  </p:clrMapOvr>
+</p:sld>
+</file>
+
+<file path=ppt/slides/slide13.xml><?xml version="1.0" encoding="utf-8"?>
+<p:sld xmlns:a="http://schemas.openxmlformats.org/drawingml/2006/main" xmlns:r="http://schemas.openxmlformats.org/officeDocument/2006/relationships" xmlns:p="http://schemas.openxmlformats.org/presentationml/2006/main">
+  <p:cSld>
+    <p:spTree>
+      <p:nvGrpSpPr>
+        <p:cNvPr id="1" name=""/>
+        <p:cNvGrpSpPr/>
+        <p:nvPr/>
+      </p:nvGrpSpPr>
+      <p:grpSpPr>
+        <a:xfrm>
+          <a:off x="0" y="0"/>
+          <a:ext cx="0" cy="0"/>
+          <a:chOff x="0" y="0"/>
+          <a:chExt cx="0" cy="0"/>
+        </a:xfrm>
+      </p:grpSpPr>
+      <p:sp>
+        <p:nvSpPr>
+          <p:cNvPr id="2" name="標題 1">
+            <a:extLst>
+              <a:ext uri="{FF2B5EF4-FFF2-40B4-BE49-F238E27FC236}">
+                <a16:creationId xmlns:a16="http://schemas.microsoft.com/office/drawing/2014/main" id="{7AD3DEE0-CADA-4CB9-AD6C-50A742D12AFA}"/>
+              </a:ext>
+            </a:extLst>
+          </p:cNvPr>
+          <p:cNvSpPr>
+            <a:spLocks noGrp="1"/>
+          </p:cNvSpPr>
+          <p:nvPr>
+            <p:ph type="title"/>
+          </p:nvPr>
+        </p:nvSpPr>
+        <p:spPr/>
+        <p:txBody>
+          <a:bodyPr/>
+          <a:lstStyle/>
+          <a:p>
+            <a:r>
+              <a:rPr lang="en-US" altLang="zh-HK" dirty="0"/>
+              <a:t>Feature engineering </a:t>
+            </a:r>
+            <a:endParaRPr lang="zh-HK" altLang="en-US" dirty="0"/>
+          </a:p>
+        </p:txBody>
+      </p:sp>
+      <p:sp>
+        <p:nvSpPr>
+          <p:cNvPr id="3" name="內容版面配置區 2">
+            <a:extLst>
+              <a:ext uri="{FF2B5EF4-FFF2-40B4-BE49-F238E27FC236}">
+                <a16:creationId xmlns:a16="http://schemas.microsoft.com/office/drawing/2014/main" id="{AF23B1E9-8F02-4EE4-9111-74DFAF14600D}"/>
+              </a:ext>
+            </a:extLst>
+          </p:cNvPr>
+          <p:cNvSpPr>
+            <a:spLocks noGrp="1"/>
+          </p:cNvSpPr>
+          <p:nvPr>
+            <p:ph idx="1"/>
+          </p:nvPr>
+        </p:nvSpPr>
+        <p:spPr/>
+        <p:txBody>
+          <a:bodyPr/>
+          <a:lstStyle/>
+          <a:p>
+            <a:pPr marL="0" indent="0">
+              <a:buNone/>
+            </a:pPr>
+            <a:r>
+              <a:rPr lang="en-US" altLang="zh-HK" dirty="0"/>
+              <a:t>From a very naïve point of view: </a:t>
+            </a:r>
+          </a:p>
+          <a:p>
+            <a:r>
+              <a:rPr lang="en-US" altLang="zh-HK" dirty="0"/>
+              <a:t>The difference between pokemon1’s attack attributes and pokemon2’s defense attributes</a:t>
+            </a:r>
+          </a:p>
+          <a:p>
+            <a:r>
+              <a:rPr lang="en-US" altLang="zh-HK" dirty="0"/>
+              <a:t>The difference of speed </a:t>
+            </a:r>
+            <a:endParaRPr lang="zh-HK" altLang="en-US" dirty="0"/>
+          </a:p>
+        </p:txBody>
+      </p:sp>
+      <p:pic>
+        <p:nvPicPr>
+          <p:cNvPr id="5" name="圖片 4" descr="一張含有 文字, 計分板, 裝置, 儀錶 的圖片&#10;&#10;自動產生的描述">
+            <a:extLst>
+              <a:ext uri="{FF2B5EF4-FFF2-40B4-BE49-F238E27FC236}">
+                <a16:creationId xmlns:a16="http://schemas.microsoft.com/office/drawing/2014/main" id="{CBC014E8-8E40-4F62-96BC-4B97F1ADD1B5}"/>
+              </a:ext>
+            </a:extLst>
+          </p:cNvPr>
+          <p:cNvPicPr>
+            <a:picLocks noChangeAspect="1"/>
+          </p:cNvPicPr>
+          <p:nvPr/>
+        </p:nvPicPr>
+        <p:blipFill>
+          <a:blip r:embed="rId2">
+            <a:extLst>
+              <a:ext uri="{28A0092B-C50C-407E-A947-70E740481C1C}">
+                <a14:useLocalDpi xmlns:a14="http://schemas.microsoft.com/office/drawing/2010/main" val="0"/>
+              </a:ext>
+            </a:extLst>
+          </a:blip>
+          <a:stretch>
+            <a:fillRect/>
+          </a:stretch>
+        </p:blipFill>
+        <p:spPr>
+          <a:xfrm>
+            <a:off x="400050" y="4113213"/>
+            <a:ext cx="10782300" cy="1628775"/>
+          </a:xfrm>
+          <a:prstGeom prst="rect">
+            <a:avLst/>
+          </a:prstGeom>
+        </p:spPr>
+      </p:pic>
+    </p:spTree>
+    <p:extLst>
+      <p:ext uri="{BB962C8B-B14F-4D97-AF65-F5344CB8AC3E}">
+        <p14:creationId xmlns:p14="http://schemas.microsoft.com/office/powerpoint/2010/main" val="951458794"/>
+      </p:ext>
+    </p:extLst>
+  </p:cSld>
+  <p:clrMapOvr>
+    <a:masterClrMapping/>
+  </p:clrMapOvr>
+</p:sld>
+</file>
+
+<file path=ppt/slides/slide14.xml><?xml version="1.0" encoding="utf-8"?>
+<p:sld xmlns:a="http://schemas.openxmlformats.org/drawingml/2006/main" xmlns:r="http://schemas.openxmlformats.org/officeDocument/2006/relationships" xmlns:p="http://schemas.openxmlformats.org/presentationml/2006/main">
+  <p:cSld>
+    <p:spTree>
+      <p:nvGrpSpPr>
+        <p:cNvPr id="1" name=""/>
+        <p:cNvGrpSpPr/>
+        <p:nvPr/>
+      </p:nvGrpSpPr>
+      <p:grpSpPr>
+        <a:xfrm>
+          <a:off x="0" y="0"/>
+          <a:ext cx="0" cy="0"/>
+          <a:chOff x="0" y="0"/>
+          <a:chExt cx="0" cy="0"/>
+        </a:xfrm>
+      </p:grpSpPr>
+      <p:sp>
+        <p:nvSpPr>
+          <p:cNvPr id="2" name="標題 1">
+            <a:extLst>
+              <a:ext uri="{FF2B5EF4-FFF2-40B4-BE49-F238E27FC236}">
+                <a16:creationId xmlns:a16="http://schemas.microsoft.com/office/drawing/2014/main" id="{B86770FC-0AC2-44E4-B589-EB72AC7F44F4}"/>
+              </a:ext>
+            </a:extLst>
+          </p:cNvPr>
+          <p:cNvSpPr>
+            <a:spLocks noGrp="1"/>
+          </p:cNvSpPr>
+          <p:nvPr>
+            <p:ph type="title"/>
+          </p:nvPr>
+        </p:nvSpPr>
+        <p:spPr/>
+        <p:txBody>
+          <a:bodyPr/>
+          <a:lstStyle/>
+          <a:p>
+            <a:r>
+              <a:rPr lang="en-US" altLang="zh-HK" dirty="0"/>
+              <a:t>Exploratory Data Analysis</a:t>
+            </a:r>
+            <a:br>
+              <a:rPr lang="en-US" altLang="zh-HK" dirty="0"/>
+            </a:br>
+            <a:endParaRPr lang="zh-HK" altLang="en-US" dirty="0"/>
+          </a:p>
+        </p:txBody>
+      </p:sp>
+      <p:sp>
+        <p:nvSpPr>
+          <p:cNvPr id="3" name="內容版面配置區 2">
+            <a:extLst>
+              <a:ext uri="{FF2B5EF4-FFF2-40B4-BE49-F238E27FC236}">
+                <a16:creationId xmlns:a16="http://schemas.microsoft.com/office/drawing/2014/main" id="{C37D8B17-352B-43C0-858C-A95BD917E1EB}"/>
+              </a:ext>
+            </a:extLst>
+          </p:cNvPr>
+          <p:cNvSpPr>
+            <a:spLocks noGrp="1"/>
+          </p:cNvSpPr>
+          <p:nvPr>
+            <p:ph idx="1"/>
+          </p:nvPr>
+        </p:nvSpPr>
+        <p:spPr/>
+        <p:txBody>
+          <a:bodyPr/>
+          <a:lstStyle/>
+          <a:p>
+            <a:r>
+              <a:rPr lang="en-US" altLang="zh-HK" dirty="0"/>
+              <a:t>Train-test-split was done before, randomly</a:t>
+            </a:r>
+          </a:p>
+          <a:p>
+            <a:r>
+              <a:rPr lang="en-US" altLang="zh-HK" dirty="0"/>
+              <a:t>Only about the train data</a:t>
+            </a:r>
+          </a:p>
+          <a:p>
+            <a:r>
+              <a:rPr lang="en-US" altLang="zh-HK" dirty="0"/>
+              <a:t>Correlation matrix </a:t>
+            </a:r>
+          </a:p>
+          <a:p>
+            <a:r>
+              <a:rPr lang="en-US" altLang="zh-HK" dirty="0"/>
+              <a:t>Logistic regression coefficients analysis</a:t>
+            </a:r>
+          </a:p>
+          <a:p>
+            <a:r>
+              <a:rPr lang="en-US" altLang="zh-HK" dirty="0"/>
+              <a:t>Histograms </a:t>
+            </a:r>
+            <a:endParaRPr lang="zh-HK" altLang="en-US" dirty="0"/>
+          </a:p>
+        </p:txBody>
+      </p:sp>
+    </p:spTree>
+    <p:extLst>
+      <p:ext uri="{BB962C8B-B14F-4D97-AF65-F5344CB8AC3E}">
+        <p14:creationId xmlns:p14="http://schemas.microsoft.com/office/powerpoint/2010/main" val="2055898305"/>
+      </p:ext>
+    </p:extLst>
+  </p:cSld>
+  <p:clrMapOvr>
+    <a:masterClrMapping/>
+  </p:clrMapOvr>
+</p:sld>
+</file>
+
+<file path=ppt/slides/slide15.xml><?xml version="1.0" encoding="utf-8"?>
+<p:sld xmlns:a="http://schemas.openxmlformats.org/drawingml/2006/main" xmlns:r="http://schemas.openxmlformats.org/officeDocument/2006/relationships" xmlns:p="http://schemas.openxmlformats.org/presentationml/2006/main">
+  <p:cSld>
+    <p:spTree>
+      <p:nvGrpSpPr>
+        <p:cNvPr id="1" name=""/>
+        <p:cNvGrpSpPr/>
+        <p:nvPr/>
+      </p:nvGrpSpPr>
+      <p:grpSpPr>
+        <a:xfrm>
+          <a:off x="0" y="0"/>
+          <a:ext cx="0" cy="0"/>
+          <a:chOff x="0" y="0"/>
+          <a:chExt cx="0" cy="0"/>
+        </a:xfrm>
+      </p:grpSpPr>
+      <p:sp>
+        <p:nvSpPr>
+          <p:cNvPr id="2" name="標題 1">
+            <a:extLst>
+              <a:ext uri="{FF2B5EF4-FFF2-40B4-BE49-F238E27FC236}">
+                <a16:creationId xmlns:a16="http://schemas.microsoft.com/office/drawing/2014/main" id="{D2FDE98F-AF1E-4AC5-8B19-F0A62D519711}"/>
+              </a:ext>
+            </a:extLst>
+          </p:cNvPr>
+          <p:cNvSpPr>
+            <a:spLocks noGrp="1"/>
+          </p:cNvSpPr>
+          <p:nvPr>
+            <p:ph type="title"/>
+          </p:nvPr>
+        </p:nvSpPr>
+        <p:spPr/>
+        <p:txBody>
+          <a:bodyPr/>
+          <a:lstStyle/>
+          <a:p>
+            <a:r>
+              <a:rPr lang="en-US" altLang="zh-HK" dirty="0"/>
+              <a:t>Exploratory Data Analysis</a:t>
+            </a:r>
+            <a:br>
+              <a:rPr lang="en-US" altLang="zh-HK" dirty="0"/>
+            </a:br>
+            <a:endParaRPr lang="zh-HK" altLang="en-US" dirty="0"/>
+          </a:p>
+        </p:txBody>
+      </p:sp>
+      <p:sp>
+        <p:nvSpPr>
+          <p:cNvPr id="3" name="內容版面配置區 2">
+            <a:extLst>
+              <a:ext uri="{FF2B5EF4-FFF2-40B4-BE49-F238E27FC236}">
+                <a16:creationId xmlns:a16="http://schemas.microsoft.com/office/drawing/2014/main" id="{B91892E7-9D4E-482E-BA9D-DF1A2EC60C5C}"/>
+              </a:ext>
+            </a:extLst>
+          </p:cNvPr>
+          <p:cNvSpPr>
+            <a:spLocks noGrp="1"/>
+          </p:cNvSpPr>
+          <p:nvPr>
+            <p:ph idx="1"/>
+          </p:nvPr>
+        </p:nvSpPr>
+        <p:spPr>
+          <a:xfrm>
+            <a:off x="420659" y="1488613"/>
+            <a:ext cx="9782119" cy="4759787"/>
+          </a:xfrm>
+        </p:spPr>
+        <p:txBody>
+          <a:bodyPr>
+            <a:normAutofit/>
+          </a:bodyPr>
+          <a:lstStyle/>
+          <a:p>
+            <a:pPr marL="0" indent="0">
+              <a:buNone/>
+            </a:pPr>
+            <a:r>
+              <a:rPr lang="en-US" altLang="zh-HK" dirty="0"/>
+              <a:t>From the correlation matrix, those numbers (coefficient of correlation) are so small, but: </a:t>
+            </a:r>
+          </a:p>
+          <a:p>
+            <a:r>
+              <a:rPr lang="en-US" altLang="zh-HK" dirty="0"/>
+              <a:t>1. feature 0 (p1HP) </a:t>
+            </a:r>
+          </a:p>
+          <a:p>
+            <a:r>
+              <a:rPr lang="en-US" altLang="zh-HK" dirty="0"/>
+              <a:t>2. feature 5 (p1SPD) </a:t>
+            </a:r>
+          </a:p>
+          <a:p>
+            <a:r>
+              <a:rPr lang="en-US" altLang="zh-HK" dirty="0"/>
+              <a:t>3. features 6 to 11 (all p2 stats) </a:t>
+            </a:r>
+          </a:p>
+          <a:p>
+            <a:r>
+              <a:rPr lang="en-US" altLang="zh-HK" dirty="0"/>
+              <a:t>4. feature 13 (p2ATKp1DEF), feature 15 (p2SpATKp1SpDEF) and feature 16 (p1SPDp2SPD) </a:t>
+            </a:r>
+          </a:p>
+          <a:p>
+            <a:r>
+              <a:rPr lang="en-US" altLang="zh-HK" dirty="0"/>
+              <a:t>Features 6-11, 13 and 15 show negative correlations, which are expected will enhance the probability of </a:t>
+            </a:r>
+            <a:r>
+              <a:rPr lang="en-US" altLang="zh-HK" dirty="0" err="1"/>
+              <a:t>pokemon</a:t>
+            </a:r>
+            <a:r>
+              <a:rPr lang="en-US" altLang="zh-HK" dirty="0"/>
+              <a:t> 1 winning. </a:t>
+            </a:r>
+          </a:p>
+          <a:p>
+            <a:r>
+              <a:rPr lang="en-US" altLang="zh-HK" dirty="0"/>
+              <a:t>However, features 0, 5 and 16 are not expected to be having negative correlations, could suggest that HP and Speed are not affecting the probability of </a:t>
+            </a:r>
+            <a:r>
+              <a:rPr lang="en-US" altLang="zh-HK" dirty="0" err="1"/>
+              <a:t>pokemon</a:t>
+            </a:r>
+            <a:r>
+              <a:rPr lang="en-US" altLang="zh-HK" dirty="0"/>
+              <a:t> 1 winning. </a:t>
+            </a:r>
+            <a:endParaRPr lang="zh-HK" altLang="en-US" dirty="0"/>
+          </a:p>
+        </p:txBody>
+      </p:sp>
+      <p:pic>
+        <p:nvPicPr>
+          <p:cNvPr id="7" name="圖片 6">
+            <a:extLst>
+              <a:ext uri="{FF2B5EF4-FFF2-40B4-BE49-F238E27FC236}">
+                <a16:creationId xmlns:a16="http://schemas.microsoft.com/office/drawing/2014/main" id="{BAFAE0E7-CBCE-4329-8300-6D3B1F497098}"/>
+              </a:ext>
+            </a:extLst>
+          </p:cNvPr>
+          <p:cNvPicPr>
+            <a:picLocks noChangeAspect="1"/>
+          </p:cNvPicPr>
+          <p:nvPr/>
+        </p:nvPicPr>
+        <p:blipFill>
+          <a:blip r:embed="rId2">
+            <a:extLst>
+              <a:ext uri="{28A0092B-C50C-407E-A947-70E740481C1C}">
+                <a14:useLocalDpi xmlns:a14="http://schemas.microsoft.com/office/drawing/2010/main" val="0"/>
+              </a:ext>
+            </a:extLst>
+          </a:blip>
+          <a:stretch>
+            <a:fillRect/>
+          </a:stretch>
+        </p:blipFill>
+        <p:spPr>
+          <a:xfrm>
+            <a:off x="243620" y="5165984"/>
+            <a:ext cx="11322737" cy="406805"/>
+          </a:xfrm>
+          <a:prstGeom prst="rect">
+            <a:avLst/>
+          </a:prstGeom>
+        </p:spPr>
+      </p:pic>
+    </p:spTree>
+    <p:extLst>
+      <p:ext uri="{BB962C8B-B14F-4D97-AF65-F5344CB8AC3E}">
+        <p14:creationId xmlns:p14="http://schemas.microsoft.com/office/powerpoint/2010/main" val="2172916897"/>
+      </p:ext>
+    </p:extLst>
+  </p:cSld>
+  <p:clrMapOvr>
+    <a:masterClrMapping/>
+  </p:clrMapOvr>
+</p:sld>
+</file>
+
+<file path=ppt/slides/slide16.xml><?xml version="1.0" encoding="utf-8"?>
+<p:sld xmlns:a="http://schemas.openxmlformats.org/drawingml/2006/main" xmlns:r="http://schemas.openxmlformats.org/officeDocument/2006/relationships" xmlns:p="http://schemas.openxmlformats.org/presentationml/2006/main">
+  <p:cSld>
+    <p:spTree>
+      <p:nvGrpSpPr>
+        <p:cNvPr id="1" name=""/>
+        <p:cNvGrpSpPr/>
+        <p:nvPr/>
+      </p:nvGrpSpPr>
+      <p:grpSpPr>
+        <a:xfrm>
+          <a:off x="0" y="0"/>
+          <a:ext cx="0" cy="0"/>
+          <a:chOff x="0" y="0"/>
+          <a:chExt cx="0" cy="0"/>
+        </a:xfrm>
+      </p:grpSpPr>
+      <p:sp>
+        <p:nvSpPr>
+          <p:cNvPr id="2" name="標題 1">
+            <a:extLst>
+              <a:ext uri="{FF2B5EF4-FFF2-40B4-BE49-F238E27FC236}">
+                <a16:creationId xmlns:a16="http://schemas.microsoft.com/office/drawing/2014/main" id="{56A1C4E1-DF1E-44B1-ADD8-BC34E7204940}"/>
+              </a:ext>
+            </a:extLst>
+          </p:cNvPr>
+          <p:cNvSpPr>
+            <a:spLocks noGrp="1"/>
+          </p:cNvSpPr>
+          <p:nvPr>
+            <p:ph type="title"/>
+          </p:nvPr>
+        </p:nvSpPr>
+        <p:spPr/>
+        <p:txBody>
+          <a:bodyPr/>
+          <a:lstStyle/>
+          <a:p>
+            <a:r>
+              <a:rPr lang="en-US" altLang="zh-HK" dirty="0"/>
+              <a:t>Exploratory Data Analysis</a:t>
+            </a:r>
+            <a:br>
+              <a:rPr lang="en-US" altLang="zh-HK" dirty="0"/>
+            </a:br>
+            <a:endParaRPr lang="zh-HK" altLang="en-US" dirty="0"/>
+          </a:p>
+        </p:txBody>
+      </p:sp>
+      <p:pic>
+        <p:nvPicPr>
+          <p:cNvPr id="5" name="內容版面配置區 4" descr="一張含有 文字 的圖片&#10;&#10;自動產生的描述">
+            <a:extLst>
+              <a:ext uri="{FF2B5EF4-FFF2-40B4-BE49-F238E27FC236}">
+                <a16:creationId xmlns:a16="http://schemas.microsoft.com/office/drawing/2014/main" id="{6031E1DD-3E15-46BE-BC00-64CCA38828C2}"/>
+              </a:ext>
+            </a:extLst>
+          </p:cNvPr>
+          <p:cNvPicPr>
+            <a:picLocks noGrp="1" noChangeAspect="1"/>
+          </p:cNvPicPr>
+          <p:nvPr>
+            <p:ph idx="1"/>
+          </p:nvPr>
+        </p:nvPicPr>
+        <p:blipFill>
+          <a:blip r:embed="rId2">
+            <a:extLst>
+              <a:ext uri="{28A0092B-C50C-407E-A947-70E740481C1C}">
+                <a14:useLocalDpi xmlns:a14="http://schemas.microsoft.com/office/drawing/2010/main" val="0"/>
+              </a:ext>
+            </a:extLst>
+          </a:blip>
+          <a:stretch>
+            <a:fillRect/>
+          </a:stretch>
+        </p:blipFill>
+        <p:spPr>
+          <a:xfrm>
+            <a:off x="340450" y="2870243"/>
+            <a:ext cx="4327470" cy="3881437"/>
+          </a:xfrm>
+        </p:spPr>
+      </p:pic>
+      <p:pic>
+        <p:nvPicPr>
+          <p:cNvPr id="7" name="圖片 6" descr="一張含有 文字 的圖片&#10;&#10;自動產生的描述">
+            <a:extLst>
+              <a:ext uri="{FF2B5EF4-FFF2-40B4-BE49-F238E27FC236}">
+                <a16:creationId xmlns:a16="http://schemas.microsoft.com/office/drawing/2014/main" id="{A022DF75-7EBF-4120-946C-65E120E056F8}"/>
+              </a:ext>
+            </a:extLst>
+          </p:cNvPr>
+          <p:cNvPicPr>
+            <a:picLocks noChangeAspect="1"/>
+          </p:cNvPicPr>
+          <p:nvPr/>
+        </p:nvPicPr>
+        <p:blipFill>
+          <a:blip r:embed="rId3">
+            <a:extLst>
+              <a:ext uri="{28A0092B-C50C-407E-A947-70E740481C1C}">
+                <a14:useLocalDpi xmlns:a14="http://schemas.microsoft.com/office/drawing/2010/main" val="0"/>
+              </a:ext>
+            </a:extLst>
+          </a:blip>
+          <a:stretch>
+            <a:fillRect/>
+          </a:stretch>
+        </p:blipFill>
+        <p:spPr>
+          <a:xfrm>
+            <a:off x="6464411" y="3117851"/>
+            <a:ext cx="3943350" cy="3619500"/>
+          </a:xfrm>
+          <a:prstGeom prst="rect">
+            <a:avLst/>
+          </a:prstGeom>
+        </p:spPr>
+      </p:pic>
+      <p:sp>
+        <p:nvSpPr>
+          <p:cNvPr id="8" name="內容版面配置區 2">
+            <a:extLst>
+              <a:ext uri="{FF2B5EF4-FFF2-40B4-BE49-F238E27FC236}">
+                <a16:creationId xmlns:a16="http://schemas.microsoft.com/office/drawing/2014/main" id="{0F28BC1C-B877-4623-9A9D-48D3663DD4C6}"/>
+              </a:ext>
+            </a:extLst>
+          </p:cNvPr>
+          <p:cNvSpPr txBox="1">
+            <a:spLocks/>
+          </p:cNvSpPr>
+          <p:nvPr/>
+        </p:nvSpPr>
+        <p:spPr>
+          <a:xfrm>
+            <a:off x="677334" y="1270000"/>
+            <a:ext cx="8596668" cy="3880773"/>
+          </a:xfrm>
+          <a:prstGeom prst="rect">
+            <a:avLst/>
+          </a:prstGeom>
+        </p:spPr>
+        <p:txBody>
+          <a:bodyPr vert="horz" lIns="91440" tIns="45720" rIns="91440" bIns="45720" rtlCol="0">
+            <a:normAutofit/>
+          </a:bodyPr>
+          <a:lstStyle>
+            <a:lvl1pPr marL="342900" indent="-342900" algn="l" defTabSz="457200" rtl="0" eaLnBrk="1" latinLnBrk="0" hangingPunct="1">
+              <a:spcBef>
+                <a:spcPts val="1000"/>
+              </a:spcBef>
+              <a:spcAft>
+                <a:spcPts val="0"/>
+              </a:spcAft>
+              <a:buClr>
+                <a:schemeClr val="accent1"/>
+              </a:buClr>
+              <a:buSzPct val="80000"/>
+              <a:buFont typeface="Wingdings 3" charset="2"/>
+              <a:buChar char=""/>
+              <a:defRPr sz="1800" kern="1200">
+                <a:solidFill>
+                  <a:schemeClr val="tx1">
+                    <a:lumMod val="75000"/>
+                    <a:lumOff val="25000"/>
+                  </a:schemeClr>
+                </a:solidFill>
+                <a:latin typeface="+mn-lt"/>
+                <a:ea typeface="+mn-ea"/>
+                <a:cs typeface="+mn-cs"/>
+              </a:defRPr>
+            </a:lvl1pPr>
+            <a:lvl2pPr marL="742950" indent="-285750" algn="l" defTabSz="457200" rtl="0" eaLnBrk="1" latinLnBrk="0" hangingPunct="1">
+              <a:spcBef>
+                <a:spcPts val="1000"/>
+              </a:spcBef>
+              <a:spcAft>
+                <a:spcPts val="0"/>
+              </a:spcAft>
+              <a:buClr>
+                <a:schemeClr val="accent1"/>
+              </a:buClr>
+              <a:buSzPct val="80000"/>
+              <a:buFont typeface="Wingdings 3" charset="2"/>
+              <a:buChar char=""/>
+              <a:defRPr sz="1600" kern="1200">
+                <a:solidFill>
+                  <a:schemeClr val="tx1">
+                    <a:lumMod val="75000"/>
+                    <a:lumOff val="25000"/>
+                  </a:schemeClr>
+                </a:solidFill>
+                <a:latin typeface="+mn-lt"/>
+                <a:ea typeface="+mn-ea"/>
+                <a:cs typeface="+mn-cs"/>
+              </a:defRPr>
+            </a:lvl2pPr>
+            <a:lvl3pPr marL="1143000" indent="-228600" algn="l" defTabSz="457200" rtl="0" eaLnBrk="1" latinLnBrk="0" hangingPunct="1">
+              <a:spcBef>
+                <a:spcPts val="1000"/>
+              </a:spcBef>
+              <a:spcAft>
+                <a:spcPts val="0"/>
+              </a:spcAft>
+              <a:buClr>
+                <a:schemeClr val="accent1"/>
+              </a:buClr>
+              <a:buSzPct val="80000"/>
+              <a:buFont typeface="Wingdings 3" charset="2"/>
+              <a:buChar char=""/>
+              <a:defRPr sz="1400" kern="1200">
+                <a:solidFill>
+                  <a:schemeClr val="tx1">
+                    <a:lumMod val="75000"/>
+                    <a:lumOff val="25000"/>
+                  </a:schemeClr>
+                </a:solidFill>
+                <a:latin typeface="+mn-lt"/>
+                <a:ea typeface="+mn-ea"/>
+                <a:cs typeface="+mn-cs"/>
+              </a:defRPr>
+            </a:lvl3pPr>
+            <a:lvl4pPr marL="1600200" indent="-228600" algn="l" defTabSz="457200" rtl="0" eaLnBrk="1" latinLnBrk="0" hangingPunct="1">
+              <a:spcBef>
+                <a:spcPts val="1000"/>
+              </a:spcBef>
+              <a:spcAft>
+                <a:spcPts val="0"/>
+              </a:spcAft>
+              <a:buClr>
+                <a:schemeClr val="accent1"/>
+              </a:buClr>
+              <a:buSzPct val="80000"/>
+              <a:buFont typeface="Wingdings 3" charset="2"/>
+              <a:buChar char=""/>
+              <a:defRPr sz="1200" kern="1200">
+                <a:solidFill>
+                  <a:schemeClr val="tx1">
+                    <a:lumMod val="75000"/>
+                    <a:lumOff val="25000"/>
+                  </a:schemeClr>
+                </a:solidFill>
+                <a:latin typeface="+mn-lt"/>
+                <a:ea typeface="+mn-ea"/>
+                <a:cs typeface="+mn-cs"/>
+              </a:defRPr>
+            </a:lvl4pPr>
+            <a:lvl5pPr marL="2057400" indent="-228600" algn="l" defTabSz="457200" rtl="0" eaLnBrk="1" latinLnBrk="0" hangingPunct="1">
+              <a:spcBef>
+                <a:spcPts val="1000"/>
+              </a:spcBef>
+              <a:spcAft>
+                <a:spcPts val="0"/>
+              </a:spcAft>
+              <a:buClr>
+                <a:schemeClr val="accent1"/>
+              </a:buClr>
+              <a:buSzPct val="80000"/>
+              <a:buFont typeface="Wingdings 3" charset="2"/>
+              <a:buChar char=""/>
+              <a:defRPr sz="1200" kern="1200">
+                <a:solidFill>
+                  <a:schemeClr val="tx1">
+                    <a:lumMod val="75000"/>
+                    <a:lumOff val="25000"/>
+                  </a:schemeClr>
+                </a:solidFill>
+                <a:latin typeface="+mn-lt"/>
+                <a:ea typeface="+mn-ea"/>
+                <a:cs typeface="+mn-cs"/>
+              </a:defRPr>
+            </a:lvl5pPr>
+            <a:lvl6pPr marL="2514600" indent="-228600" algn="l" defTabSz="457200" rtl="0" eaLnBrk="1" latinLnBrk="0" hangingPunct="1">
+              <a:spcBef>
+                <a:spcPts val="1000"/>
+              </a:spcBef>
+              <a:spcAft>
+                <a:spcPts val="0"/>
+              </a:spcAft>
+              <a:buClr>
+                <a:schemeClr val="accent1"/>
+              </a:buClr>
+              <a:buSzPct val="80000"/>
+              <a:buFont typeface="Wingdings 3" charset="2"/>
+              <a:buChar char=""/>
+              <a:defRPr sz="1200" kern="1200">
+                <a:solidFill>
+                  <a:schemeClr val="tx1">
+                    <a:lumMod val="75000"/>
+                    <a:lumOff val="25000"/>
+                  </a:schemeClr>
+                </a:solidFill>
+                <a:latin typeface="+mn-lt"/>
+                <a:ea typeface="+mn-ea"/>
+                <a:cs typeface="+mn-cs"/>
+              </a:defRPr>
+            </a:lvl6pPr>
+            <a:lvl7pPr marL="2971800" indent="-228600" algn="l" defTabSz="457200" rtl="0" eaLnBrk="1" latinLnBrk="0" hangingPunct="1">
+              <a:spcBef>
+                <a:spcPts val="1000"/>
+              </a:spcBef>
+              <a:spcAft>
+                <a:spcPts val="0"/>
+              </a:spcAft>
+              <a:buClr>
+                <a:schemeClr val="accent1"/>
+              </a:buClr>
+              <a:buSzPct val="80000"/>
+              <a:buFont typeface="Wingdings 3" charset="2"/>
+              <a:buChar char=""/>
+              <a:defRPr sz="1200" kern="1200">
+                <a:solidFill>
+                  <a:schemeClr val="tx1">
+                    <a:lumMod val="75000"/>
+                    <a:lumOff val="25000"/>
+                  </a:schemeClr>
+                </a:solidFill>
+                <a:latin typeface="+mn-lt"/>
+                <a:ea typeface="+mn-ea"/>
+                <a:cs typeface="+mn-cs"/>
+              </a:defRPr>
+            </a:lvl7pPr>
+            <a:lvl8pPr marL="3429000" indent="-228600" algn="l" defTabSz="457200" rtl="0" eaLnBrk="1" latinLnBrk="0" hangingPunct="1">
+              <a:spcBef>
+                <a:spcPts val="1000"/>
+              </a:spcBef>
+              <a:spcAft>
+                <a:spcPts val="0"/>
+              </a:spcAft>
+              <a:buClr>
+                <a:schemeClr val="accent1"/>
+              </a:buClr>
+              <a:buSzPct val="80000"/>
+              <a:buFont typeface="Wingdings 3" charset="2"/>
+              <a:buChar char=""/>
+              <a:defRPr sz="1200" kern="1200">
+                <a:solidFill>
+                  <a:schemeClr val="tx1">
+                    <a:lumMod val="75000"/>
+                    <a:lumOff val="25000"/>
+                  </a:schemeClr>
+                </a:solidFill>
+                <a:latin typeface="+mn-lt"/>
+                <a:ea typeface="+mn-ea"/>
+                <a:cs typeface="+mn-cs"/>
+              </a:defRPr>
+            </a:lvl8pPr>
+            <a:lvl9pPr marL="3886200" indent="-228600" algn="l" defTabSz="457200" rtl="0" eaLnBrk="1" latinLnBrk="0" hangingPunct="1">
+              <a:spcBef>
+                <a:spcPts val="1000"/>
+              </a:spcBef>
+              <a:spcAft>
+                <a:spcPts val="0"/>
+              </a:spcAft>
+              <a:buClr>
+                <a:schemeClr val="accent1"/>
+              </a:buClr>
+              <a:buSzPct val="80000"/>
+              <a:buFont typeface="Wingdings 3" charset="2"/>
+              <a:buChar char=""/>
+              <a:defRPr sz="1200" kern="1200">
+                <a:solidFill>
+                  <a:schemeClr val="tx1">
+                    <a:lumMod val="75000"/>
+                    <a:lumOff val="25000"/>
+                  </a:schemeClr>
+                </a:solidFill>
+                <a:latin typeface="+mn-lt"/>
+                <a:ea typeface="+mn-ea"/>
+                <a:cs typeface="+mn-cs"/>
+              </a:defRPr>
+            </a:lvl9pPr>
+          </a:lstStyle>
+          <a:p>
+            <a:r>
+              <a:rPr lang="en-US" altLang="zh-HK" dirty="0"/>
+              <a:t>Some of the p-values are nan, not sure why (immediate reason is due to invertible matrix, or the hessian matrix is not invertible</a:t>
+            </a:r>
+          </a:p>
+          <a:p>
+            <a:r>
+              <a:rPr lang="en-US" altLang="zh-HK" dirty="0"/>
+              <a:t>Only features x6 and x17 are acceptable, which are p1SPD and p2SpATKp1SpDEF, in terms of p-values.</a:t>
+            </a:r>
+            <a:endParaRPr lang="zh-HK" altLang="en-US" dirty="0"/>
+          </a:p>
+        </p:txBody>
+      </p:sp>
+    </p:spTree>
+    <p:extLst>
+      <p:ext uri="{BB962C8B-B14F-4D97-AF65-F5344CB8AC3E}">
+        <p14:creationId xmlns:p14="http://schemas.microsoft.com/office/powerpoint/2010/main" val="962460906"/>
+      </p:ext>
+    </p:extLst>
+  </p:cSld>
+  <p:clrMapOvr>
+    <a:masterClrMapping/>
+  </p:clrMapOvr>
+</p:sld>
+</file>
+
+<file path=ppt/slides/slide17.xml><?xml version="1.0" encoding="utf-8"?>
+<p:sld xmlns:a="http://schemas.openxmlformats.org/drawingml/2006/main" xmlns:r="http://schemas.openxmlformats.org/officeDocument/2006/relationships" xmlns:p="http://schemas.openxmlformats.org/presentationml/2006/main">
+  <p:cSld>
+    <p:spTree>
+      <p:nvGrpSpPr>
+        <p:cNvPr id="1" name=""/>
+        <p:cNvGrpSpPr/>
+        <p:nvPr/>
+      </p:nvGrpSpPr>
+      <p:grpSpPr>
+        <a:xfrm>
+          <a:off x="0" y="0"/>
+          <a:ext cx="0" cy="0"/>
+          <a:chOff x="0" y="0"/>
+          <a:chExt cx="0" cy="0"/>
+        </a:xfrm>
+      </p:grpSpPr>
+      <p:sp>
+        <p:nvSpPr>
+          <p:cNvPr id="2" name="標題 1">
+            <a:extLst>
+              <a:ext uri="{FF2B5EF4-FFF2-40B4-BE49-F238E27FC236}">
+                <a16:creationId xmlns:a16="http://schemas.microsoft.com/office/drawing/2014/main" id="{DD535A96-2986-4C57-B4CF-B787030BA582}"/>
+              </a:ext>
+            </a:extLst>
+          </p:cNvPr>
+          <p:cNvSpPr>
+            <a:spLocks noGrp="1"/>
+          </p:cNvSpPr>
+          <p:nvPr>
+            <p:ph type="title"/>
+          </p:nvPr>
+        </p:nvSpPr>
+        <p:spPr/>
+        <p:txBody>
+          <a:bodyPr/>
+          <a:lstStyle/>
+          <a:p>
+            <a:r>
+              <a:rPr lang="en-US" altLang="zh-HK" dirty="0"/>
+              <a:t>Exploratory Data Analysis</a:t>
+            </a:r>
+            <a:br>
+              <a:rPr lang="en-US" altLang="zh-HK" dirty="0"/>
+            </a:br>
+            <a:endParaRPr lang="zh-HK" altLang="en-US" dirty="0"/>
+          </a:p>
+        </p:txBody>
+      </p:sp>
+      <p:sp>
+        <p:nvSpPr>
+          <p:cNvPr id="3" name="內容版面配置區 2">
+            <a:extLst>
+              <a:ext uri="{FF2B5EF4-FFF2-40B4-BE49-F238E27FC236}">
+                <a16:creationId xmlns:a16="http://schemas.microsoft.com/office/drawing/2014/main" id="{34785E8F-12A0-4073-9853-B375AA40357B}"/>
+              </a:ext>
+            </a:extLst>
+          </p:cNvPr>
+          <p:cNvSpPr>
+            <a:spLocks noGrp="1"/>
+          </p:cNvSpPr>
+          <p:nvPr>
+            <p:ph idx="1"/>
+          </p:nvPr>
+        </p:nvSpPr>
+        <p:spPr>
+          <a:xfrm>
+            <a:off x="677334" y="1488613"/>
+            <a:ext cx="8596668" cy="3880773"/>
+          </a:xfrm>
+        </p:spPr>
+        <p:txBody>
+          <a:bodyPr/>
+          <a:lstStyle/>
+          <a:p>
+            <a:r>
+              <a:rPr lang="en-US" altLang="zh-HK" dirty="0"/>
+              <a:t>The histograms show the distributions of labelled data for each feature. </a:t>
+            </a:r>
+          </a:p>
+          <a:p>
+            <a:r>
+              <a:rPr lang="en-US" altLang="zh-HK" dirty="0"/>
+              <a:t>Most of the case are overlapping so that it is hard to classify them by looking at each feature, suggesting there is no significant pattern for the model to identify and distinguish whether winning or losing.</a:t>
+            </a:r>
+            <a:endParaRPr lang="zh-HK" altLang="en-US" dirty="0"/>
+          </a:p>
+        </p:txBody>
+      </p:sp>
+      <p:pic>
+        <p:nvPicPr>
+          <p:cNvPr id="5" name="圖片 4">
+            <a:extLst>
+              <a:ext uri="{FF2B5EF4-FFF2-40B4-BE49-F238E27FC236}">
+                <a16:creationId xmlns:a16="http://schemas.microsoft.com/office/drawing/2014/main" id="{5E100CCC-15BE-4A0E-B171-B97228B3BF8E}"/>
+              </a:ext>
+            </a:extLst>
+          </p:cNvPr>
+          <p:cNvPicPr>
+            <a:picLocks noChangeAspect="1"/>
+          </p:cNvPicPr>
+          <p:nvPr/>
+        </p:nvPicPr>
+        <p:blipFill>
+          <a:blip r:embed="rId2">
+            <a:extLst>
+              <a:ext uri="{28A0092B-C50C-407E-A947-70E740481C1C}">
+                <a14:useLocalDpi xmlns:a14="http://schemas.microsoft.com/office/drawing/2010/main" val="0"/>
+              </a:ext>
+            </a:extLst>
+          </a:blip>
+          <a:stretch>
+            <a:fillRect/>
+          </a:stretch>
+        </p:blipFill>
+        <p:spPr>
+          <a:xfrm>
+            <a:off x="2465220" y="3139991"/>
+            <a:ext cx="4791075" cy="3305175"/>
+          </a:xfrm>
+          <a:prstGeom prst="rect">
+            <a:avLst/>
+          </a:prstGeom>
+        </p:spPr>
+      </p:pic>
+    </p:spTree>
+    <p:extLst>
+      <p:ext uri="{BB962C8B-B14F-4D97-AF65-F5344CB8AC3E}">
+        <p14:creationId xmlns:p14="http://schemas.microsoft.com/office/powerpoint/2010/main" val="1998068640"/>
+      </p:ext>
+    </p:extLst>
+  </p:cSld>
+  <p:clrMapOvr>
+    <a:masterClrMapping/>
+  </p:clrMapOvr>
+</p:sld>
+</file>
+
+<file path=ppt/slides/slide18.xml><?xml version="1.0" encoding="utf-8"?>
+<p:sld xmlns:a="http://schemas.openxmlformats.org/drawingml/2006/main" xmlns:r="http://schemas.openxmlformats.org/officeDocument/2006/relationships" xmlns:p="http://schemas.openxmlformats.org/presentationml/2006/main">
+  <p:cSld>
+    <p:spTree>
+      <p:nvGrpSpPr>
+        <p:cNvPr id="1" name=""/>
+        <p:cNvGrpSpPr/>
+        <p:nvPr/>
+      </p:nvGrpSpPr>
+      <p:grpSpPr>
+        <a:xfrm>
+          <a:off x="0" y="0"/>
+          <a:ext cx="0" cy="0"/>
+          <a:chOff x="0" y="0"/>
+          <a:chExt cx="0" cy="0"/>
+        </a:xfrm>
+      </p:grpSpPr>
+      <p:sp>
+        <p:nvSpPr>
+          <p:cNvPr id="2" name="標題 1">
+            <a:extLst>
+              <a:ext uri="{FF2B5EF4-FFF2-40B4-BE49-F238E27FC236}">
+                <a16:creationId xmlns:a16="http://schemas.microsoft.com/office/drawing/2014/main" id="{B12DFBA1-4FCB-4318-A10F-9BE72C542C57}"/>
+              </a:ext>
+            </a:extLst>
+          </p:cNvPr>
+          <p:cNvSpPr>
+            <a:spLocks noGrp="1"/>
+          </p:cNvSpPr>
+          <p:nvPr>
+            <p:ph type="title"/>
+          </p:nvPr>
+        </p:nvSpPr>
+        <p:spPr>
+          <a:xfrm>
+            <a:off x="677333" y="464058"/>
+            <a:ext cx="8596668" cy="1320800"/>
+          </a:xfrm>
+        </p:spPr>
+        <p:txBody>
+          <a:bodyPr/>
+          <a:lstStyle/>
+          <a:p>
+            <a:r>
+              <a:rPr lang="en-US" altLang="zh-HK" dirty="0"/>
+              <a:t>Should we still apply modelling? </a:t>
+            </a:r>
+            <a:endParaRPr lang="zh-HK" altLang="en-US" dirty="0"/>
+          </a:p>
+        </p:txBody>
+      </p:sp>
+      <p:sp>
+        <p:nvSpPr>
+          <p:cNvPr id="3" name="內容版面配置區 2">
+            <a:extLst>
+              <a:ext uri="{FF2B5EF4-FFF2-40B4-BE49-F238E27FC236}">
+                <a16:creationId xmlns:a16="http://schemas.microsoft.com/office/drawing/2014/main" id="{5F91F820-D86B-4979-AE4D-2480DA2267D2}"/>
+              </a:ext>
+            </a:extLst>
+          </p:cNvPr>
+          <p:cNvSpPr>
+            <a:spLocks noGrp="1"/>
+          </p:cNvSpPr>
+          <p:nvPr>
+            <p:ph idx="1"/>
+          </p:nvPr>
+        </p:nvSpPr>
+        <p:spPr>
+          <a:xfrm>
+            <a:off x="677333" y="1124458"/>
+            <a:ext cx="8596668" cy="3880773"/>
+          </a:xfrm>
+        </p:spPr>
+        <p:txBody>
+          <a:bodyPr/>
+          <a:lstStyle/>
+          <a:p>
+            <a:r>
+              <a:rPr lang="en-US" altLang="zh-HK" dirty="0"/>
+              <a:t>If commercial, no</a:t>
+            </a:r>
+          </a:p>
+          <a:p>
+            <a:r>
+              <a:rPr lang="en-US" altLang="zh-HK" dirty="0"/>
+              <a:t>If for fun, yes</a:t>
+            </a:r>
+          </a:p>
+          <a:p>
+            <a:r>
+              <a:rPr lang="en-US" altLang="zh-HK" dirty="0" err="1"/>
+              <a:t>kNN</a:t>
+            </a:r>
+            <a:r>
+              <a:rPr lang="en-US" altLang="zh-HK" dirty="0"/>
+              <a:t>, logistic regression</a:t>
+            </a:r>
+            <a:r>
+              <a:rPr lang="zh-HK" altLang="en-US" dirty="0"/>
+              <a:t> </a:t>
+            </a:r>
+            <a:r>
+              <a:rPr lang="en-US" altLang="zh-HK" dirty="0"/>
+              <a:t>and</a:t>
+            </a:r>
+            <a:r>
+              <a:rPr lang="zh-HK" altLang="en-US" dirty="0"/>
+              <a:t> </a:t>
+            </a:r>
+            <a:r>
+              <a:rPr lang="en-US" altLang="zh-HK" dirty="0"/>
+              <a:t>decision</a:t>
+            </a:r>
+            <a:r>
+              <a:rPr lang="zh-HK" altLang="en-US" dirty="0"/>
+              <a:t> </a:t>
+            </a:r>
+            <a:r>
+              <a:rPr lang="en-US" altLang="zh-HK" dirty="0"/>
+              <a:t>tree</a:t>
+            </a:r>
+          </a:p>
+          <a:p>
+            <a:r>
+              <a:rPr lang="en-US" altLang="zh-HK" dirty="0"/>
+              <a:t>However, during training, overfitting and </a:t>
+            </a:r>
+            <a:r>
+              <a:rPr lang="en-US" altLang="zh-HK" dirty="0" err="1"/>
+              <a:t>memorisation</a:t>
+            </a:r>
+            <a:r>
+              <a:rPr lang="en-US" altLang="zh-HK" dirty="0"/>
+              <a:t> were an issue  </a:t>
+            </a:r>
+          </a:p>
+        </p:txBody>
+      </p:sp>
+      <p:pic>
+        <p:nvPicPr>
+          <p:cNvPr id="5" name="圖片 4">
+            <a:extLst>
+              <a:ext uri="{FF2B5EF4-FFF2-40B4-BE49-F238E27FC236}">
+                <a16:creationId xmlns:a16="http://schemas.microsoft.com/office/drawing/2014/main" id="{4E0C8F92-505D-4366-8681-9615839C968E}"/>
+              </a:ext>
+            </a:extLst>
+          </p:cNvPr>
+          <p:cNvPicPr>
+            <a:picLocks noChangeAspect="1"/>
+          </p:cNvPicPr>
+          <p:nvPr/>
+        </p:nvPicPr>
+        <p:blipFill>
+          <a:blip r:embed="rId2">
+            <a:extLst>
+              <a:ext uri="{28A0092B-C50C-407E-A947-70E740481C1C}">
+                <a14:useLocalDpi xmlns:a14="http://schemas.microsoft.com/office/drawing/2010/main" val="0"/>
+              </a:ext>
+            </a:extLst>
+          </a:blip>
+          <a:stretch>
+            <a:fillRect/>
+          </a:stretch>
+        </p:blipFill>
+        <p:spPr>
+          <a:xfrm>
+            <a:off x="677334" y="3429000"/>
+            <a:ext cx="2438123" cy="3360821"/>
+          </a:xfrm>
+          <a:prstGeom prst="rect">
+            <a:avLst/>
+          </a:prstGeom>
+        </p:spPr>
+      </p:pic>
+      <p:pic>
+        <p:nvPicPr>
+          <p:cNvPr id="7" name="圖片 6">
+            <a:extLst>
+              <a:ext uri="{FF2B5EF4-FFF2-40B4-BE49-F238E27FC236}">
+                <a16:creationId xmlns:a16="http://schemas.microsoft.com/office/drawing/2014/main" id="{0C679062-C6AA-43B4-BBEC-57D73D47C2E3}"/>
+              </a:ext>
+            </a:extLst>
+          </p:cNvPr>
+          <p:cNvPicPr>
+            <a:picLocks noChangeAspect="1"/>
+          </p:cNvPicPr>
+          <p:nvPr/>
+        </p:nvPicPr>
+        <p:blipFill>
+          <a:blip r:embed="rId3">
+            <a:extLst>
+              <a:ext uri="{28A0092B-C50C-407E-A947-70E740481C1C}">
+                <a14:useLocalDpi xmlns:a14="http://schemas.microsoft.com/office/drawing/2010/main" val="0"/>
+              </a:ext>
+            </a:extLst>
+          </a:blip>
+          <a:stretch>
+            <a:fillRect/>
+          </a:stretch>
+        </p:blipFill>
+        <p:spPr>
+          <a:xfrm>
+            <a:off x="3709288" y="3367506"/>
+            <a:ext cx="2532759" cy="3480175"/>
+          </a:xfrm>
+          <a:prstGeom prst="rect">
+            <a:avLst/>
+          </a:prstGeom>
+        </p:spPr>
+      </p:pic>
+      <p:pic>
+        <p:nvPicPr>
+          <p:cNvPr id="9" name="圖片 8">
+            <a:extLst>
+              <a:ext uri="{FF2B5EF4-FFF2-40B4-BE49-F238E27FC236}">
+                <a16:creationId xmlns:a16="http://schemas.microsoft.com/office/drawing/2014/main" id="{6D3AD461-35F7-424D-9CA7-F2D62730EC6B}"/>
+              </a:ext>
+            </a:extLst>
+          </p:cNvPr>
+          <p:cNvPicPr>
+            <a:picLocks noChangeAspect="1"/>
+          </p:cNvPicPr>
+          <p:nvPr/>
+        </p:nvPicPr>
+        <p:blipFill>
+          <a:blip r:embed="rId4">
+            <a:extLst>
+              <a:ext uri="{28A0092B-C50C-407E-A947-70E740481C1C}">
+                <a14:useLocalDpi xmlns:a14="http://schemas.microsoft.com/office/drawing/2010/main" val="0"/>
+              </a:ext>
+            </a:extLst>
+          </a:blip>
+          <a:stretch>
+            <a:fillRect/>
+          </a:stretch>
+        </p:blipFill>
+        <p:spPr>
+          <a:xfrm>
+            <a:off x="7168936" y="3367506"/>
+            <a:ext cx="2523889" cy="3460977"/>
+          </a:xfrm>
+          <a:prstGeom prst="rect">
+            <a:avLst/>
+          </a:prstGeom>
+        </p:spPr>
+      </p:pic>
+      <p:sp>
+        <p:nvSpPr>
+          <p:cNvPr id="10" name="文字方塊 9">
+            <a:extLst>
+              <a:ext uri="{FF2B5EF4-FFF2-40B4-BE49-F238E27FC236}">
+                <a16:creationId xmlns:a16="http://schemas.microsoft.com/office/drawing/2014/main" id="{9B7FED40-B74C-420B-BDDB-101B62813F21}"/>
+              </a:ext>
+            </a:extLst>
+          </p:cNvPr>
+          <p:cNvSpPr txBox="1"/>
+          <p:nvPr/>
+        </p:nvSpPr>
+        <p:spPr>
+          <a:xfrm>
+            <a:off x="1447062" y="2990010"/>
+            <a:ext cx="958788" cy="369332"/>
+          </a:xfrm>
+          <a:prstGeom prst="rect">
+            <a:avLst/>
+          </a:prstGeom>
+          <a:noFill/>
+        </p:spPr>
+        <p:txBody>
+          <a:bodyPr wrap="square" rtlCol="0">
+            <a:spAutoFit/>
+          </a:bodyPr>
+          <a:lstStyle/>
+          <a:p>
+            <a:r>
+              <a:rPr lang="en-US" altLang="zh-HK" dirty="0" err="1"/>
+              <a:t>kNN</a:t>
+            </a:r>
+            <a:endParaRPr lang="zh-HK" altLang="en-US" dirty="0"/>
+          </a:p>
+        </p:txBody>
+      </p:sp>
+      <p:sp>
+        <p:nvSpPr>
+          <p:cNvPr id="11" name="文字方塊 10">
+            <a:extLst>
+              <a:ext uri="{FF2B5EF4-FFF2-40B4-BE49-F238E27FC236}">
+                <a16:creationId xmlns:a16="http://schemas.microsoft.com/office/drawing/2014/main" id="{90CF19CE-CFF1-431E-8674-5A7F6AF96E7C}"/>
+              </a:ext>
+            </a:extLst>
+          </p:cNvPr>
+          <p:cNvSpPr txBox="1"/>
+          <p:nvPr/>
+        </p:nvSpPr>
+        <p:spPr>
+          <a:xfrm>
+            <a:off x="3912288" y="2986000"/>
+            <a:ext cx="2532759" cy="369332"/>
+          </a:xfrm>
+          <a:prstGeom prst="rect">
+            <a:avLst/>
+          </a:prstGeom>
+          <a:noFill/>
+        </p:spPr>
+        <p:txBody>
+          <a:bodyPr wrap="square" rtlCol="0">
+            <a:spAutoFit/>
+          </a:bodyPr>
+          <a:lstStyle/>
+          <a:p>
+            <a:r>
+              <a:rPr lang="en-US" altLang="zh-HK" dirty="0"/>
+              <a:t>logistic regression</a:t>
+            </a:r>
+            <a:endParaRPr lang="zh-HK" altLang="en-US" dirty="0"/>
+          </a:p>
+        </p:txBody>
+      </p:sp>
+      <p:sp>
+        <p:nvSpPr>
+          <p:cNvPr id="12" name="文字方塊 11">
+            <a:extLst>
+              <a:ext uri="{FF2B5EF4-FFF2-40B4-BE49-F238E27FC236}">
+                <a16:creationId xmlns:a16="http://schemas.microsoft.com/office/drawing/2014/main" id="{FC4CFAC0-6921-46C9-93E7-6E017C171406}"/>
+              </a:ext>
+            </a:extLst>
+          </p:cNvPr>
+          <p:cNvSpPr txBox="1"/>
+          <p:nvPr/>
+        </p:nvSpPr>
+        <p:spPr>
+          <a:xfrm>
+            <a:off x="7748485" y="2986000"/>
+            <a:ext cx="1670723" cy="369332"/>
+          </a:xfrm>
+          <a:prstGeom prst="rect">
+            <a:avLst/>
+          </a:prstGeom>
+          <a:noFill/>
+        </p:spPr>
+        <p:txBody>
+          <a:bodyPr wrap="square" rtlCol="0">
+            <a:spAutoFit/>
+          </a:bodyPr>
+          <a:lstStyle/>
+          <a:p>
+            <a:r>
+              <a:rPr lang="en-US" altLang="zh-HK" dirty="0"/>
+              <a:t>decision</a:t>
+            </a:r>
+            <a:r>
+              <a:rPr lang="zh-HK" altLang="en-US" dirty="0"/>
+              <a:t> </a:t>
+            </a:r>
+            <a:r>
+              <a:rPr lang="en-US" altLang="zh-HK" dirty="0"/>
+              <a:t>tree</a:t>
+            </a:r>
+            <a:endParaRPr lang="zh-HK" altLang="en-US" dirty="0"/>
+          </a:p>
+        </p:txBody>
+      </p:sp>
+    </p:spTree>
+    <p:extLst>
+      <p:ext uri="{BB962C8B-B14F-4D97-AF65-F5344CB8AC3E}">
+        <p14:creationId xmlns:p14="http://schemas.microsoft.com/office/powerpoint/2010/main" val="1756163180"/>
+      </p:ext>
+    </p:extLst>
+  </p:cSld>
+  <p:clrMapOvr>
+    <a:masterClrMapping/>
+  </p:clrMapOvr>
+</p:sld>
+</file>
+
+<file path=ppt/slides/slide19.xml><?xml version="1.0" encoding="utf-8"?>
+<p:sld xmlns:a="http://schemas.openxmlformats.org/drawingml/2006/main" xmlns:r="http://schemas.openxmlformats.org/officeDocument/2006/relationships" xmlns:p="http://schemas.openxmlformats.org/presentationml/2006/main">
+  <p:cSld>
+    <p:spTree>
+      <p:nvGrpSpPr>
+        <p:cNvPr id="1" name=""/>
+        <p:cNvGrpSpPr/>
+        <p:nvPr/>
+      </p:nvGrpSpPr>
+      <p:grpSpPr>
+        <a:xfrm>
+          <a:off x="0" y="0"/>
+          <a:ext cx="0" cy="0"/>
+          <a:chOff x="0" y="0"/>
+          <a:chExt cx="0" cy="0"/>
+        </a:xfrm>
+      </p:grpSpPr>
+      <p:sp>
+        <p:nvSpPr>
+          <p:cNvPr id="2" name="標題 1">
+            <a:extLst>
+              <a:ext uri="{FF2B5EF4-FFF2-40B4-BE49-F238E27FC236}">
+                <a16:creationId xmlns:a16="http://schemas.microsoft.com/office/drawing/2014/main" id="{7CD64FF2-6E96-426A-A886-E435B869B1A8}"/>
+              </a:ext>
+            </a:extLst>
+          </p:cNvPr>
+          <p:cNvSpPr>
+            <a:spLocks noGrp="1"/>
+          </p:cNvSpPr>
+          <p:nvPr>
+            <p:ph type="title"/>
+          </p:nvPr>
+        </p:nvSpPr>
+        <p:spPr/>
+        <p:txBody>
+          <a:bodyPr/>
+          <a:lstStyle/>
+          <a:p>
+            <a:r>
+              <a:rPr lang="en-US" altLang="zh-HK" dirty="0"/>
+              <a:t>Validation results and </a:t>
+            </a:r>
+            <a:r>
+              <a:rPr lang="en-US" altLang="zh-HK" dirty="0" err="1"/>
+              <a:t>fm</a:t>
+            </a:r>
+            <a:r>
+              <a:rPr lang="en-US" altLang="zh-HK" dirty="0"/>
+              <a:t> </a:t>
+            </a:r>
+            <a:r>
+              <a:rPr lang="en-US" altLang="zh-HK" dirty="0" err="1"/>
+              <a:t>optimisation</a:t>
+            </a:r>
+            <a:r>
+              <a:rPr lang="en-US" altLang="zh-HK" dirty="0"/>
+              <a:t>  </a:t>
+            </a:r>
+            <a:endParaRPr lang="zh-HK" altLang="en-US" dirty="0"/>
+          </a:p>
+        </p:txBody>
+      </p:sp>
+      <p:pic>
+        <p:nvPicPr>
+          <p:cNvPr id="9" name="內容版面配置區 8">
+            <a:extLst>
+              <a:ext uri="{FF2B5EF4-FFF2-40B4-BE49-F238E27FC236}">
+                <a16:creationId xmlns:a16="http://schemas.microsoft.com/office/drawing/2014/main" id="{E149F645-2CDE-474E-8292-61C05C7FB393}"/>
+              </a:ext>
+            </a:extLst>
+          </p:cNvPr>
+          <p:cNvPicPr>
+            <a:picLocks noGrp="1" noChangeAspect="1"/>
+          </p:cNvPicPr>
+          <p:nvPr>
+            <p:ph idx="1"/>
+          </p:nvPr>
+        </p:nvPicPr>
+        <p:blipFill>
+          <a:blip r:embed="rId2">
+            <a:extLst>
+              <a:ext uri="{28A0092B-C50C-407E-A947-70E740481C1C}">
+                <a14:useLocalDpi xmlns:a14="http://schemas.microsoft.com/office/drawing/2010/main" val="0"/>
+              </a:ext>
+            </a:extLst>
+          </a:blip>
+          <a:stretch>
+            <a:fillRect/>
+          </a:stretch>
+        </p:blipFill>
+        <p:spPr>
+          <a:xfrm>
+            <a:off x="201450" y="1532397"/>
+            <a:ext cx="4244624" cy="3439320"/>
+          </a:xfrm>
+        </p:spPr>
+      </p:pic>
+      <p:pic>
+        <p:nvPicPr>
+          <p:cNvPr id="11" name="圖片 10">
+            <a:extLst>
+              <a:ext uri="{FF2B5EF4-FFF2-40B4-BE49-F238E27FC236}">
+                <a16:creationId xmlns:a16="http://schemas.microsoft.com/office/drawing/2014/main" id="{555B762B-C9F7-4CEC-BDE6-61C474219111}"/>
+              </a:ext>
+            </a:extLst>
+          </p:cNvPr>
+          <p:cNvPicPr>
+            <a:picLocks noChangeAspect="1"/>
+          </p:cNvPicPr>
+          <p:nvPr/>
+        </p:nvPicPr>
+        <p:blipFill>
+          <a:blip r:embed="rId3">
+            <a:extLst>
+              <a:ext uri="{28A0092B-C50C-407E-A947-70E740481C1C}">
+                <a14:useLocalDpi xmlns:a14="http://schemas.microsoft.com/office/drawing/2010/main" val="0"/>
+              </a:ext>
+            </a:extLst>
+          </a:blip>
+          <a:stretch>
+            <a:fillRect/>
+          </a:stretch>
+        </p:blipFill>
+        <p:spPr>
+          <a:xfrm>
+            <a:off x="3876676" y="3274115"/>
+            <a:ext cx="4256800" cy="3395203"/>
+          </a:xfrm>
+          <a:prstGeom prst="rect">
+            <a:avLst/>
+          </a:prstGeom>
+        </p:spPr>
+      </p:pic>
+      <p:pic>
+        <p:nvPicPr>
+          <p:cNvPr id="13" name="圖片 12">
+            <a:extLst>
+              <a:ext uri="{FF2B5EF4-FFF2-40B4-BE49-F238E27FC236}">
+                <a16:creationId xmlns:a16="http://schemas.microsoft.com/office/drawing/2014/main" id="{400FFBC1-90F3-4DBC-BBC4-9A34C868890C}"/>
+              </a:ext>
+            </a:extLst>
+          </p:cNvPr>
+          <p:cNvPicPr>
+            <a:picLocks noChangeAspect="1"/>
+          </p:cNvPicPr>
+          <p:nvPr/>
+        </p:nvPicPr>
+        <p:blipFill>
+          <a:blip r:embed="rId4">
+            <a:extLst>
+              <a:ext uri="{28A0092B-C50C-407E-A947-70E740481C1C}">
+                <a14:useLocalDpi xmlns:a14="http://schemas.microsoft.com/office/drawing/2010/main" val="0"/>
+              </a:ext>
+            </a:extLst>
+          </a:blip>
+          <a:stretch>
+            <a:fillRect/>
+          </a:stretch>
+        </p:blipFill>
+        <p:spPr>
+          <a:xfrm>
+            <a:off x="8133476" y="1394682"/>
+            <a:ext cx="3876675" cy="3714750"/>
+          </a:xfrm>
+          <a:prstGeom prst="rect">
+            <a:avLst/>
+          </a:prstGeom>
+        </p:spPr>
+      </p:pic>
+    </p:spTree>
+    <p:extLst>
+      <p:ext uri="{BB962C8B-B14F-4D97-AF65-F5344CB8AC3E}">
+        <p14:creationId xmlns:p14="http://schemas.microsoft.com/office/powerpoint/2010/main" val="472849992"/>
       </p:ext>
     </p:extLst>
   </p:cSld>
@@ -6047,6 +8036,448 @@
     <p:extLst>
       <p:ext uri="{BB962C8B-B14F-4D97-AF65-F5344CB8AC3E}">
         <p14:creationId xmlns:p14="http://schemas.microsoft.com/office/powerpoint/2010/main" val="2389804318"/>
+      </p:ext>
+    </p:extLst>
+  </p:cSld>
+  <p:clrMapOvr>
+    <a:masterClrMapping/>
+  </p:clrMapOvr>
+</p:sld>
+</file>
+
+<file path=ppt/slides/slide20.xml><?xml version="1.0" encoding="utf-8"?>
+<p:sld xmlns:a="http://schemas.openxmlformats.org/drawingml/2006/main" xmlns:r="http://schemas.openxmlformats.org/officeDocument/2006/relationships" xmlns:p="http://schemas.openxmlformats.org/presentationml/2006/main">
+  <p:cSld>
+    <p:spTree>
+      <p:nvGrpSpPr>
+        <p:cNvPr id="1" name=""/>
+        <p:cNvGrpSpPr/>
+        <p:nvPr/>
+      </p:nvGrpSpPr>
+      <p:grpSpPr>
+        <a:xfrm>
+          <a:off x="0" y="0"/>
+          <a:ext cx="0" cy="0"/>
+          <a:chOff x="0" y="0"/>
+          <a:chExt cx="0" cy="0"/>
+        </a:xfrm>
+      </p:grpSpPr>
+      <p:sp>
+        <p:nvSpPr>
+          <p:cNvPr id="3" name="內容版面配置區 2">
+            <a:extLst>
+              <a:ext uri="{FF2B5EF4-FFF2-40B4-BE49-F238E27FC236}">
+                <a16:creationId xmlns:a16="http://schemas.microsoft.com/office/drawing/2014/main" id="{C45A592D-89EA-464A-9614-89072322D206}"/>
+              </a:ext>
+            </a:extLst>
+          </p:cNvPr>
+          <p:cNvSpPr>
+            <a:spLocks noGrp="1"/>
+          </p:cNvSpPr>
+          <p:nvPr>
+            <p:ph idx="1"/>
+          </p:nvPr>
+        </p:nvSpPr>
+        <p:spPr>
+          <a:xfrm>
+            <a:off x="384370" y="529701"/>
+            <a:ext cx="8981571" cy="5214151"/>
+          </a:xfrm>
+        </p:spPr>
+        <p:txBody>
+          <a:bodyPr>
+            <a:normAutofit/>
+          </a:bodyPr>
+          <a:lstStyle/>
+          <a:p>
+            <a:r>
+              <a:rPr lang="en-US" altLang="zh-HK" sz="1800" dirty="0"/>
+              <a:t>FPR and TPR changes rapidly and dramatically with some </a:t>
+            </a:r>
+            <a:r>
+              <a:rPr lang="en-US" altLang="zh-HK" sz="1800" dirty="0" err="1"/>
+              <a:t>crictical</a:t>
+            </a:r>
+            <a:r>
+              <a:rPr lang="en-US" altLang="zh-HK" sz="1800" dirty="0"/>
+              <a:t> values, especially for Decision tree. </a:t>
+            </a:r>
+          </a:p>
+          <a:p>
+            <a:r>
+              <a:rPr lang="en-US" altLang="zh-HK" sz="1800" dirty="0"/>
+              <a:t>Getting an </a:t>
+            </a:r>
+            <a:r>
+              <a:rPr lang="en-US" altLang="zh-HK" sz="1800" dirty="0" err="1"/>
+              <a:t>Optimised</a:t>
+            </a:r>
+            <a:r>
+              <a:rPr lang="en-US" altLang="zh-HK" sz="1800" dirty="0"/>
+              <a:t> threshold values is not helpful in these models, since the predictions are too sensitive and extreme to different thresholds. Just a slight change on the costs can results in completely opposite predictions.</a:t>
+            </a:r>
+            <a:endParaRPr lang="en-US" altLang="zh-HK" dirty="0"/>
+          </a:p>
+          <a:p>
+            <a:r>
+              <a:rPr lang="en-US" altLang="zh-HK" sz="1800" dirty="0"/>
+              <a:t>This may suggest </a:t>
+            </a:r>
+            <a:r>
+              <a:rPr lang="en-US" altLang="zh-HK" sz="1800" dirty="0" err="1"/>
+              <a:t>fm</a:t>
+            </a:r>
+            <a:r>
+              <a:rPr lang="en-US" altLang="zh-HK" sz="1800" dirty="0"/>
+              <a:t> </a:t>
+            </a:r>
+            <a:r>
+              <a:rPr lang="en-US" altLang="zh-HK" sz="1800" dirty="0" err="1"/>
+              <a:t>Optimisation</a:t>
+            </a:r>
+            <a:r>
+              <a:rPr lang="en-US" altLang="zh-HK" sz="1800" dirty="0"/>
+              <a:t> in an unsignificant model is hard, all depends on which error, FP or FN, is more except able or favorable. </a:t>
+            </a:r>
+          </a:p>
+          <a:p>
+            <a:r>
+              <a:rPr lang="en-US" altLang="zh-HK" dirty="0"/>
+              <a:t>Even within the validation dataset, the </a:t>
+            </a:r>
+            <a:r>
+              <a:rPr lang="en-US" altLang="zh-HK" dirty="0" err="1"/>
+              <a:t>fm</a:t>
+            </a:r>
+            <a:r>
+              <a:rPr lang="en-US" altLang="zh-HK" dirty="0"/>
+              <a:t> </a:t>
+            </a:r>
+            <a:r>
+              <a:rPr lang="en-US" altLang="zh-HK" dirty="0" err="1"/>
+              <a:t>Optimisation</a:t>
+            </a:r>
+            <a:r>
+              <a:rPr lang="en-US" altLang="zh-HK" dirty="0"/>
+              <a:t> with </a:t>
+            </a:r>
+            <a:r>
+              <a:rPr lang="en-US" altLang="zh-HK" dirty="0" err="1"/>
+              <a:t>cost_negative</a:t>
+            </a:r>
+            <a:r>
+              <a:rPr lang="en-US" altLang="zh-HK" dirty="0"/>
+              <a:t>=2 caused the model to predict mostly False and all False in Decision tree model (due to the threshold &gt; 1). </a:t>
+            </a:r>
+          </a:p>
+          <a:p>
+            <a:r>
+              <a:rPr lang="en-US" altLang="zh-HK" dirty="0"/>
+              <a:t>If we aim to getting better looking results on TPR and FPR, we have to tune the costs </a:t>
+            </a:r>
+          </a:p>
+          <a:p>
+            <a:r>
+              <a:rPr lang="en-US" altLang="zh-HK" dirty="0"/>
+              <a:t>but then this action violates the main idea of </a:t>
+            </a:r>
+            <a:r>
+              <a:rPr lang="en-US" altLang="zh-HK" dirty="0" err="1"/>
+              <a:t>fm</a:t>
+            </a:r>
+            <a:r>
+              <a:rPr lang="en-US" altLang="zh-HK" dirty="0"/>
+              <a:t> </a:t>
+            </a:r>
+            <a:r>
+              <a:rPr lang="en-US" altLang="zh-HK" dirty="0" err="1"/>
+              <a:t>Optimisation</a:t>
+            </a:r>
+            <a:r>
+              <a:rPr lang="en-US" altLang="zh-HK" dirty="0"/>
+              <a:t>. </a:t>
+            </a:r>
+          </a:p>
+          <a:p>
+            <a:r>
+              <a:rPr lang="en-US" altLang="zh-HK" dirty="0"/>
+              <a:t>Therefore, I would say </a:t>
+            </a:r>
+            <a:r>
+              <a:rPr lang="en-US" altLang="zh-HK" dirty="0" err="1"/>
+              <a:t>fm</a:t>
+            </a:r>
+            <a:r>
+              <a:rPr lang="en-US" altLang="zh-HK" dirty="0"/>
+              <a:t> </a:t>
+            </a:r>
+            <a:r>
+              <a:rPr lang="en-US" altLang="zh-HK" dirty="0" err="1"/>
+              <a:t>Optimisation</a:t>
+            </a:r>
+            <a:r>
+              <a:rPr lang="en-US" altLang="zh-HK" dirty="0"/>
+              <a:t> is not applicable in these models.</a:t>
+            </a:r>
+            <a:endParaRPr lang="zh-HK" altLang="en-US" dirty="0"/>
+          </a:p>
+        </p:txBody>
+      </p:sp>
+    </p:spTree>
+    <p:extLst>
+      <p:ext uri="{BB962C8B-B14F-4D97-AF65-F5344CB8AC3E}">
+        <p14:creationId xmlns:p14="http://schemas.microsoft.com/office/powerpoint/2010/main" val="2497232780"/>
+      </p:ext>
+    </p:extLst>
+  </p:cSld>
+  <p:clrMapOvr>
+    <a:masterClrMapping/>
+  </p:clrMapOvr>
+</p:sld>
+</file>
+
+<file path=ppt/slides/slide21.xml><?xml version="1.0" encoding="utf-8"?>
+<p:sld xmlns:a="http://schemas.openxmlformats.org/drawingml/2006/main" xmlns:r="http://schemas.openxmlformats.org/officeDocument/2006/relationships" xmlns:p="http://schemas.openxmlformats.org/presentationml/2006/main">
+  <p:cSld>
+    <p:spTree>
+      <p:nvGrpSpPr>
+        <p:cNvPr id="1" name=""/>
+        <p:cNvGrpSpPr/>
+        <p:nvPr/>
+      </p:nvGrpSpPr>
+      <p:grpSpPr>
+        <a:xfrm>
+          <a:off x="0" y="0"/>
+          <a:ext cx="0" cy="0"/>
+          <a:chOff x="0" y="0"/>
+          <a:chExt cx="0" cy="0"/>
+        </a:xfrm>
+      </p:grpSpPr>
+      <p:sp>
+        <p:nvSpPr>
+          <p:cNvPr id="2" name="標題 1">
+            <a:extLst>
+              <a:ext uri="{FF2B5EF4-FFF2-40B4-BE49-F238E27FC236}">
+                <a16:creationId xmlns:a16="http://schemas.microsoft.com/office/drawing/2014/main" id="{C9FE2A62-B303-4D00-8BCE-E10B6C5C1F53}"/>
+              </a:ext>
+            </a:extLst>
+          </p:cNvPr>
+          <p:cNvSpPr>
+            <a:spLocks noGrp="1"/>
+          </p:cNvSpPr>
+          <p:nvPr>
+            <p:ph type="title"/>
+          </p:nvPr>
+        </p:nvSpPr>
+        <p:spPr/>
+        <p:txBody>
+          <a:bodyPr>
+            <a:normAutofit/>
+          </a:bodyPr>
+          <a:lstStyle/>
+          <a:p>
+            <a:r>
+              <a:rPr lang="en-US" altLang="zh-HK" dirty="0"/>
+              <a:t>Conclusion</a:t>
+            </a:r>
+            <a:endParaRPr lang="zh-HK" altLang="en-US" dirty="0"/>
+          </a:p>
+        </p:txBody>
+      </p:sp>
+      <p:sp>
+        <p:nvSpPr>
+          <p:cNvPr id="3" name="內容版面配置區 2">
+            <a:extLst>
+              <a:ext uri="{FF2B5EF4-FFF2-40B4-BE49-F238E27FC236}">
+                <a16:creationId xmlns:a16="http://schemas.microsoft.com/office/drawing/2014/main" id="{7A9B91BE-82F4-49B2-86D8-585547464EC7}"/>
+              </a:ext>
+            </a:extLst>
+          </p:cNvPr>
+          <p:cNvSpPr>
+            <a:spLocks noGrp="1"/>
+          </p:cNvSpPr>
+          <p:nvPr>
+            <p:ph idx="1"/>
+          </p:nvPr>
+        </p:nvSpPr>
+        <p:spPr>
+          <a:xfrm>
+            <a:off x="677334" y="1365292"/>
+            <a:ext cx="9024542" cy="5021179"/>
+          </a:xfrm>
+        </p:spPr>
+        <p:txBody>
+          <a:bodyPr>
+            <a:normAutofit/>
+          </a:bodyPr>
+          <a:lstStyle/>
+          <a:p>
+            <a:r>
+              <a:rPr lang="en-US" altLang="zh-HK" sz="2400" dirty="0"/>
+              <a:t>each model gives an AUC of around 0.5, making them perform roughly the same as random guessing. </a:t>
+            </a:r>
+          </a:p>
+          <a:p>
+            <a:r>
+              <a:rPr lang="en-US" altLang="zh-HK" sz="2400" dirty="0"/>
+              <a:t>The reason could be due to: </a:t>
+            </a:r>
+          </a:p>
+          <a:p>
+            <a:pPr lvl="1"/>
+            <a:r>
+              <a:rPr lang="en-US" altLang="zh-HK" sz="2200" dirty="0"/>
+              <a:t>lack of data, </a:t>
+            </a:r>
+          </a:p>
+          <a:p>
+            <a:pPr lvl="1"/>
+            <a:r>
+              <a:rPr lang="en-US" altLang="zh-HK" sz="2200" dirty="0"/>
+              <a:t>data </a:t>
+            </a:r>
+            <a:r>
+              <a:rPr lang="en-US" altLang="zh-HK" sz="2200" dirty="0" err="1"/>
+              <a:t>memorisation</a:t>
+            </a:r>
+            <a:r>
+              <a:rPr lang="en-US" altLang="zh-HK" sz="2200" dirty="0"/>
+              <a:t>, </a:t>
+            </a:r>
+          </a:p>
+          <a:p>
+            <a:pPr lvl="1"/>
+            <a:r>
+              <a:rPr lang="en-US" altLang="zh-HK" sz="2200" dirty="0"/>
+              <a:t>or just simply Pokémon is too good on having a balanced game such that the outcome of a Pokémon battle doesn't relate too much with </a:t>
+            </a:r>
+            <a:r>
+              <a:rPr lang="en-US" altLang="zh-HK" sz="2200" dirty="0" err="1"/>
+              <a:t>Pokémons</a:t>
+            </a:r>
+            <a:r>
+              <a:rPr lang="en-US" altLang="zh-HK" sz="2200" dirty="0"/>
+              <a:t>' base stats.</a:t>
+            </a:r>
+          </a:p>
+        </p:txBody>
+      </p:sp>
+    </p:spTree>
+    <p:extLst>
+      <p:ext uri="{BB962C8B-B14F-4D97-AF65-F5344CB8AC3E}">
+        <p14:creationId xmlns:p14="http://schemas.microsoft.com/office/powerpoint/2010/main" val="2723528252"/>
+      </p:ext>
+    </p:extLst>
+  </p:cSld>
+  <p:clrMapOvr>
+    <a:masterClrMapping/>
+  </p:clrMapOvr>
+</p:sld>
+</file>
+
+<file path=ppt/slides/slide22.xml><?xml version="1.0" encoding="utf-8"?>
+<p:sld xmlns:a="http://schemas.openxmlformats.org/drawingml/2006/main" xmlns:r="http://schemas.openxmlformats.org/officeDocument/2006/relationships" xmlns:p="http://schemas.openxmlformats.org/presentationml/2006/main">
+  <p:cSld>
+    <p:spTree>
+      <p:nvGrpSpPr>
+        <p:cNvPr id="1" name=""/>
+        <p:cNvGrpSpPr/>
+        <p:nvPr/>
+      </p:nvGrpSpPr>
+      <p:grpSpPr>
+        <a:xfrm>
+          <a:off x="0" y="0"/>
+          <a:ext cx="0" cy="0"/>
+          <a:chOff x="0" y="0"/>
+          <a:chExt cx="0" cy="0"/>
+        </a:xfrm>
+      </p:grpSpPr>
+      <p:sp>
+        <p:nvSpPr>
+          <p:cNvPr id="2" name="標題 1">
+            <a:extLst>
+              <a:ext uri="{FF2B5EF4-FFF2-40B4-BE49-F238E27FC236}">
+                <a16:creationId xmlns:a16="http://schemas.microsoft.com/office/drawing/2014/main" id="{ED54A570-7AAF-46A8-B20F-D41A8F46C065}"/>
+              </a:ext>
+            </a:extLst>
+          </p:cNvPr>
+          <p:cNvSpPr>
+            <a:spLocks noGrp="1"/>
+          </p:cNvSpPr>
+          <p:nvPr>
+            <p:ph type="title"/>
+          </p:nvPr>
+        </p:nvSpPr>
+        <p:spPr/>
+        <p:txBody>
+          <a:bodyPr/>
+          <a:lstStyle/>
+          <a:p>
+            <a:r>
+              <a:rPr lang="en-US" altLang="zh-HK" dirty="0"/>
+              <a:t>Future works</a:t>
+            </a:r>
+            <a:endParaRPr lang="zh-HK" altLang="en-US" dirty="0"/>
+          </a:p>
+        </p:txBody>
+      </p:sp>
+      <p:sp>
+        <p:nvSpPr>
+          <p:cNvPr id="3" name="內容版面配置區 2">
+            <a:extLst>
+              <a:ext uri="{FF2B5EF4-FFF2-40B4-BE49-F238E27FC236}">
+                <a16:creationId xmlns:a16="http://schemas.microsoft.com/office/drawing/2014/main" id="{1C3BEC11-526C-45A7-9AA5-DEC5515B7746}"/>
+              </a:ext>
+            </a:extLst>
+          </p:cNvPr>
+          <p:cNvSpPr>
+            <a:spLocks noGrp="1"/>
+          </p:cNvSpPr>
+          <p:nvPr>
+            <p:ph idx="1"/>
+          </p:nvPr>
+        </p:nvSpPr>
+        <p:spPr/>
+        <p:txBody>
+          <a:bodyPr/>
+          <a:lstStyle/>
+          <a:p>
+            <a:r>
+              <a:rPr lang="en-US" altLang="zh-HK" dirty="0"/>
+              <a:t>Pokémon battle outcome is not solely related to </a:t>
+            </a:r>
+            <a:r>
+              <a:rPr lang="en-US" altLang="zh-HK" dirty="0" err="1"/>
+              <a:t>Pokémons</a:t>
+            </a:r>
+            <a:r>
+              <a:rPr lang="en-US" altLang="zh-HK" dirty="0"/>
+              <a:t>' base stats, but also many other factors. </a:t>
+            </a:r>
+          </a:p>
+          <a:p>
+            <a:r>
+              <a:rPr lang="en-US" altLang="zh-HK" dirty="0" err="1"/>
+              <a:t>analyse</a:t>
+            </a:r>
+            <a:r>
+              <a:rPr lang="en-US" altLang="zh-HK" dirty="0"/>
+              <a:t> even more attributes of each Pokémon, such as types, weaknesses, abilities or natures </a:t>
+            </a:r>
+          </a:p>
+          <a:p>
+            <a:r>
+              <a:rPr lang="en-US" altLang="zh-HK" dirty="0"/>
+              <a:t>investigate what other factors hidden in each battle, such as number of turns, items carried, or what moves are</a:t>
+            </a:r>
+            <a:endParaRPr lang="zh-HK" altLang="en-US" dirty="0"/>
+          </a:p>
+        </p:txBody>
+      </p:sp>
+    </p:spTree>
+    <p:extLst>
+      <p:ext uri="{BB962C8B-B14F-4D97-AF65-F5344CB8AC3E}">
+        <p14:creationId xmlns:p14="http://schemas.microsoft.com/office/powerpoint/2010/main" val="3009839186"/>
       </p:ext>
     </p:extLst>
   </p:cSld>
@@ -6635,19 +9066,6 @@
           <a:lstStyle/>
           <a:p>
             <a:r>
-              <a:rPr lang="en-US" altLang="zh-HK" dirty="0"/>
-              <a:t>Ash </a:t>
-            </a:r>
-          </a:p>
-          <a:p>
-            <a:pPr lvl="1"/>
-            <a:r>
-              <a:rPr lang="en-US" altLang="zh-HK" dirty="0"/>
-              <a:t>Main character</a:t>
-            </a:r>
-          </a:p>
-          <a:p>
-            <a:r>
               <a:rPr lang="en-US" altLang="zh-HK" b="0" i="0" dirty="0">
                 <a:solidFill>
                   <a:srgbClr val="0A0A0A"/>
@@ -7596,30 +10014,19 @@
           <a:p>
             <a:r>
               <a:rPr lang="en-US" altLang="zh-HK" dirty="0"/>
-              <a:t>False Negative -&gt; reduces the diversity of the </a:t>
-            </a:r>
-            <a:r>
-              <a:rPr lang="en-US" altLang="zh-HK" dirty="0">
-                <a:solidFill>
-                  <a:srgbClr val="0A0A0A"/>
-                </a:solidFill>
-                <a:latin typeface="Roboto" panose="02000000000000000000" pitchFamily="2" charset="0"/>
-              </a:rPr>
-              <a:t>strategies</a:t>
-            </a:r>
-          </a:p>
-          <a:p>
-            <a:r>
-              <a:rPr lang="en-US" altLang="zh-HK" dirty="0"/>
-              <a:t>False positive -&gt; may lead to more analysis about that battle </a:t>
-            </a:r>
-          </a:p>
-          <a:p>
-            <a:r>
-              <a:rPr lang="en-US" altLang="zh-HK" dirty="0"/>
-              <a:t>no penalty on losing a battle </a:t>
-            </a:r>
-            <a:endParaRPr lang="zh-HK" altLang="en-US" dirty="0"/>
+              <a:t>no penalty on losing a battle, but emotional or psychological  </a:t>
+            </a:r>
+          </a:p>
+          <a:p>
+            <a:r>
+              <a:rPr lang="en-US" altLang="zh-HK" dirty="0"/>
+              <a:t>The cost of negative is decided to be twice as much as cost of positive, due to Loss aversion by Amos Tversky and Daniel </a:t>
+            </a:r>
+            <a:r>
+              <a:rPr lang="en-US" altLang="zh-HK"/>
+              <a:t>Kahneman.</a:t>
+            </a:r>
+            <a:endParaRPr lang="en-US" altLang="zh-HK" dirty="0"/>
           </a:p>
         </p:txBody>
       </p:sp>
@@ -7637,7 +10044,7 @@
         </p:nvSpPr>
         <p:spPr>
           <a:xfrm>
-            <a:off x="7776839" y="2392916"/>
+            <a:off x="7240210" y="1722329"/>
             <a:ext cx="1899821" cy="646331"/>
           </a:xfrm>
           <a:prstGeom prst="rect">
@@ -7679,7 +10086,7 @@
         </p:nvSpPr>
         <p:spPr>
           <a:xfrm>
-            <a:off x="7619899" y="2262936"/>
+            <a:off x="7026341" y="1573252"/>
             <a:ext cx="1979720" cy="914400"/>
           </a:xfrm>
           <a:prstGeom prst="rect">
@@ -7716,6 +10123,389 @@
     <p:extLst>
       <p:ext uri="{BB962C8B-B14F-4D97-AF65-F5344CB8AC3E}">
         <p14:creationId xmlns:p14="http://schemas.microsoft.com/office/powerpoint/2010/main" val="1834593977"/>
+      </p:ext>
+    </p:extLst>
+  </p:cSld>
+  <p:clrMapOvr>
+    <a:masterClrMapping/>
+  </p:clrMapOvr>
+</p:sld>
+</file>
+
+<file path=ppt/slides/slide7.xml><?xml version="1.0" encoding="utf-8"?>
+<p:sld xmlns:a="http://schemas.openxmlformats.org/drawingml/2006/main" xmlns:r="http://schemas.openxmlformats.org/officeDocument/2006/relationships" xmlns:p="http://schemas.openxmlformats.org/presentationml/2006/main">
+  <p:cSld>
+    <p:spTree>
+      <p:nvGrpSpPr>
+        <p:cNvPr id="1" name=""/>
+        <p:cNvGrpSpPr/>
+        <p:nvPr/>
+      </p:nvGrpSpPr>
+      <p:grpSpPr>
+        <a:xfrm>
+          <a:off x="0" y="0"/>
+          <a:ext cx="0" cy="0"/>
+          <a:chOff x="0" y="0"/>
+          <a:chExt cx="0" cy="0"/>
+        </a:xfrm>
+      </p:grpSpPr>
+      <p:sp>
+        <p:nvSpPr>
+          <p:cNvPr id="2" name="標題 1">
+            <a:extLst>
+              <a:ext uri="{FF2B5EF4-FFF2-40B4-BE49-F238E27FC236}">
+                <a16:creationId xmlns:a16="http://schemas.microsoft.com/office/drawing/2014/main" id="{13D44AB2-8062-41A4-9894-4559880C3034}"/>
+              </a:ext>
+            </a:extLst>
+          </p:cNvPr>
+          <p:cNvSpPr>
+            <a:spLocks noGrp="1"/>
+          </p:cNvSpPr>
+          <p:nvPr>
+            <p:ph type="title"/>
+          </p:nvPr>
+        </p:nvSpPr>
+        <p:spPr/>
+        <p:txBody>
+          <a:bodyPr/>
+          <a:lstStyle/>
+          <a:p>
+            <a:r>
+              <a:rPr lang="en-US" altLang="zh-HK" dirty="0"/>
+              <a:t>Can machine learning model help? </a:t>
+            </a:r>
+            <a:endParaRPr lang="zh-HK" altLang="en-US" dirty="0"/>
+          </a:p>
+        </p:txBody>
+      </p:sp>
+      <p:sp>
+        <p:nvSpPr>
+          <p:cNvPr id="3" name="內容版面配置區 2">
+            <a:extLst>
+              <a:ext uri="{FF2B5EF4-FFF2-40B4-BE49-F238E27FC236}">
+                <a16:creationId xmlns:a16="http://schemas.microsoft.com/office/drawing/2014/main" id="{9E8050AD-C696-4D1F-896C-F69013D6AEAE}"/>
+              </a:ext>
+            </a:extLst>
+          </p:cNvPr>
+          <p:cNvSpPr>
+            <a:spLocks noGrp="1"/>
+          </p:cNvSpPr>
+          <p:nvPr>
+            <p:ph idx="1"/>
+          </p:nvPr>
+        </p:nvSpPr>
+        <p:spPr/>
+        <p:txBody>
+          <a:bodyPr/>
+          <a:lstStyle/>
+          <a:p>
+            <a:r>
+              <a:rPr lang="en-US" altLang="zh-HK" dirty="0"/>
+              <a:t>Not sure</a:t>
+            </a:r>
+          </a:p>
+          <a:p>
+            <a:r>
+              <a:rPr lang="en-US" altLang="zh-HK" dirty="0"/>
+              <a:t>But we can always try</a:t>
+            </a:r>
+          </a:p>
+          <a:p>
+            <a:r>
+              <a:rPr lang="en-US" altLang="zh-HK" dirty="0"/>
+              <a:t>Aim to classify each battle by just looking at </a:t>
+            </a:r>
+            <a:r>
+              <a:rPr lang="en-US" altLang="zh-HK" dirty="0" err="1"/>
+              <a:t>pokemons</a:t>
+            </a:r>
+            <a:r>
+              <a:rPr lang="en-US" altLang="zh-HK" dirty="0"/>
+              <a:t>’ base stats  </a:t>
+            </a:r>
+          </a:p>
+          <a:p>
+            <a:r>
+              <a:rPr lang="en-US" altLang="zh-HK" dirty="0"/>
+              <a:t>Since classification problems, ROC, AUC and confusion matrix is going to be the measurement of success and indicator of model training and selection</a:t>
+            </a:r>
+            <a:endParaRPr lang="zh-HK" altLang="en-US" dirty="0"/>
+          </a:p>
+        </p:txBody>
+      </p:sp>
+    </p:spTree>
+    <p:extLst>
+      <p:ext uri="{BB962C8B-B14F-4D97-AF65-F5344CB8AC3E}">
+        <p14:creationId xmlns:p14="http://schemas.microsoft.com/office/powerpoint/2010/main" val="1037825828"/>
+      </p:ext>
+    </p:extLst>
+  </p:cSld>
+  <p:clrMapOvr>
+    <a:masterClrMapping/>
+  </p:clrMapOvr>
+</p:sld>
+</file>
+
+<file path=ppt/slides/slide8.xml><?xml version="1.0" encoding="utf-8"?>
+<p:sld xmlns:a="http://schemas.openxmlformats.org/drawingml/2006/main" xmlns:r="http://schemas.openxmlformats.org/officeDocument/2006/relationships" xmlns:p="http://schemas.openxmlformats.org/presentationml/2006/main">
+  <p:cSld>
+    <p:spTree>
+      <p:nvGrpSpPr>
+        <p:cNvPr id="1" name=""/>
+        <p:cNvGrpSpPr/>
+        <p:nvPr/>
+      </p:nvGrpSpPr>
+      <p:grpSpPr>
+        <a:xfrm>
+          <a:off x="0" y="0"/>
+          <a:ext cx="0" cy="0"/>
+          <a:chOff x="0" y="0"/>
+          <a:chExt cx="0" cy="0"/>
+        </a:xfrm>
+      </p:grpSpPr>
+      <p:sp>
+        <p:nvSpPr>
+          <p:cNvPr id="2" name="標題 1">
+            <a:extLst>
+              <a:ext uri="{FF2B5EF4-FFF2-40B4-BE49-F238E27FC236}">
+                <a16:creationId xmlns:a16="http://schemas.microsoft.com/office/drawing/2014/main" id="{DDFF85E8-465A-41E3-9FB2-D8655FA24DD5}"/>
+              </a:ext>
+            </a:extLst>
+          </p:cNvPr>
+          <p:cNvSpPr>
+            <a:spLocks noGrp="1"/>
+          </p:cNvSpPr>
+          <p:nvPr>
+            <p:ph type="title"/>
+          </p:nvPr>
+        </p:nvSpPr>
+        <p:spPr/>
+        <p:txBody>
+          <a:bodyPr/>
+          <a:lstStyle/>
+          <a:p>
+            <a:r>
+              <a:rPr lang="en-US" altLang="zh-HK" dirty="0"/>
+              <a:t>machine learning model process </a:t>
+            </a:r>
+            <a:endParaRPr lang="zh-HK" altLang="en-US" dirty="0"/>
+          </a:p>
+        </p:txBody>
+      </p:sp>
+      <p:sp>
+        <p:nvSpPr>
+          <p:cNvPr id="3" name="內容版面配置區 2">
+            <a:extLst>
+              <a:ext uri="{FF2B5EF4-FFF2-40B4-BE49-F238E27FC236}">
+                <a16:creationId xmlns:a16="http://schemas.microsoft.com/office/drawing/2014/main" id="{625A316B-17FE-4BF2-BBF5-6F1451ED054F}"/>
+              </a:ext>
+            </a:extLst>
+          </p:cNvPr>
+          <p:cNvSpPr>
+            <a:spLocks noGrp="1"/>
+          </p:cNvSpPr>
+          <p:nvPr>
+            <p:ph idx="1"/>
+          </p:nvPr>
+        </p:nvSpPr>
+        <p:spPr/>
+        <p:txBody>
+          <a:bodyPr/>
+          <a:lstStyle/>
+          <a:p>
+            <a:r>
+              <a:rPr lang="en-US" altLang="zh-HK" dirty="0"/>
+              <a:t>Gather data</a:t>
+            </a:r>
+          </a:p>
+          <a:p>
+            <a:r>
+              <a:rPr lang="en-US" altLang="zh-HK" dirty="0"/>
+              <a:t>Clean them</a:t>
+            </a:r>
+          </a:p>
+          <a:p>
+            <a:r>
+              <a:rPr lang="en-US" altLang="zh-HK" dirty="0"/>
+              <a:t>Train-test-split</a:t>
+            </a:r>
+          </a:p>
+          <a:p>
+            <a:r>
+              <a:rPr lang="en-US" altLang="zh-HK" dirty="0"/>
+              <a:t>Exploratory Data Analysis</a:t>
+            </a:r>
+          </a:p>
+          <a:p>
+            <a:r>
+              <a:rPr lang="en-US" altLang="zh-HK" dirty="0"/>
+              <a:t>Model training </a:t>
+            </a:r>
+          </a:p>
+          <a:p>
+            <a:r>
+              <a:rPr lang="en-US" altLang="zh-HK" dirty="0"/>
+              <a:t>Hyperparameter </a:t>
+            </a:r>
+            <a:r>
+              <a:rPr lang="en-US" altLang="zh-HK" dirty="0" err="1"/>
+              <a:t>optimisation</a:t>
+            </a:r>
+            <a:r>
+              <a:rPr lang="en-US" altLang="zh-HK" dirty="0"/>
+              <a:t> </a:t>
+            </a:r>
+          </a:p>
+          <a:p>
+            <a:r>
+              <a:rPr lang="en-US" altLang="zh-HK" dirty="0"/>
+              <a:t>Check performance </a:t>
+            </a:r>
+            <a:endParaRPr lang="zh-HK" altLang="en-US" dirty="0"/>
+          </a:p>
+        </p:txBody>
+      </p:sp>
+    </p:spTree>
+    <p:extLst>
+      <p:ext uri="{BB962C8B-B14F-4D97-AF65-F5344CB8AC3E}">
+        <p14:creationId xmlns:p14="http://schemas.microsoft.com/office/powerpoint/2010/main" val="2619097899"/>
+      </p:ext>
+    </p:extLst>
+  </p:cSld>
+  <p:clrMapOvr>
+    <a:masterClrMapping/>
+  </p:clrMapOvr>
+</p:sld>
+</file>
+
+<file path=ppt/slides/slide9.xml><?xml version="1.0" encoding="utf-8"?>
+<p:sld xmlns:a="http://schemas.openxmlformats.org/drawingml/2006/main" xmlns:r="http://schemas.openxmlformats.org/officeDocument/2006/relationships" xmlns:p="http://schemas.openxmlformats.org/presentationml/2006/main">
+  <p:cSld>
+    <p:spTree>
+      <p:nvGrpSpPr>
+        <p:cNvPr id="1" name=""/>
+        <p:cNvGrpSpPr/>
+        <p:nvPr/>
+      </p:nvGrpSpPr>
+      <p:grpSpPr>
+        <a:xfrm>
+          <a:off x="0" y="0"/>
+          <a:ext cx="0" cy="0"/>
+          <a:chOff x="0" y="0"/>
+          <a:chExt cx="0" cy="0"/>
+        </a:xfrm>
+      </p:grpSpPr>
+      <p:sp>
+        <p:nvSpPr>
+          <p:cNvPr id="2" name="標題 1">
+            <a:extLst>
+              <a:ext uri="{FF2B5EF4-FFF2-40B4-BE49-F238E27FC236}">
+                <a16:creationId xmlns:a16="http://schemas.microsoft.com/office/drawing/2014/main" id="{1CE61198-7DB2-4163-99DF-A0838F0D85C9}"/>
+              </a:ext>
+            </a:extLst>
+          </p:cNvPr>
+          <p:cNvSpPr>
+            <a:spLocks noGrp="1"/>
+          </p:cNvSpPr>
+          <p:nvPr>
+            <p:ph type="title"/>
+          </p:nvPr>
+        </p:nvSpPr>
+        <p:spPr/>
+        <p:txBody>
+          <a:bodyPr/>
+          <a:lstStyle/>
+          <a:p>
+            <a:r>
+              <a:rPr lang="en-US" altLang="zh-HK" dirty="0"/>
+              <a:t>Data collection </a:t>
+            </a:r>
+            <a:endParaRPr lang="zh-HK" altLang="en-US" dirty="0"/>
+          </a:p>
+        </p:txBody>
+      </p:sp>
+      <p:sp>
+        <p:nvSpPr>
+          <p:cNvPr id="3" name="內容版面配置區 2">
+            <a:extLst>
+              <a:ext uri="{FF2B5EF4-FFF2-40B4-BE49-F238E27FC236}">
+                <a16:creationId xmlns:a16="http://schemas.microsoft.com/office/drawing/2014/main" id="{A4B7330E-6D8D-446C-A0CA-583F71DE0D39}"/>
+              </a:ext>
+            </a:extLst>
+          </p:cNvPr>
+          <p:cNvSpPr>
+            <a:spLocks noGrp="1"/>
+          </p:cNvSpPr>
+          <p:nvPr>
+            <p:ph idx="1"/>
+          </p:nvPr>
+        </p:nvSpPr>
+        <p:spPr/>
+        <p:txBody>
+          <a:bodyPr/>
+          <a:lstStyle/>
+          <a:p>
+            <a:r>
+              <a:rPr lang="en-US" altLang="zh-HK" dirty="0"/>
+              <a:t>Pokémon stats data, from </a:t>
+            </a:r>
+            <a:r>
+              <a:rPr lang="en-US" altLang="zh-HK" dirty="0">
+                <a:solidFill>
+                  <a:srgbClr val="0070C0"/>
+                </a:solidFill>
+                <a:hlinkClick r:id="rId2"/>
+              </a:rPr>
+              <a:t>https://pokemondb.net/</a:t>
+            </a:r>
+            <a:endParaRPr lang="en-US" altLang="zh-HK" dirty="0">
+              <a:solidFill>
+                <a:srgbClr val="0070C0"/>
+              </a:solidFill>
+            </a:endParaRPr>
+          </a:p>
+        </p:txBody>
+      </p:sp>
+      <p:pic>
+        <p:nvPicPr>
+          <p:cNvPr id="5" name="圖片 4" descr="一張含有 桌 的圖片&#10;&#10;自動產生的描述">
+            <a:extLst>
+              <a:ext uri="{FF2B5EF4-FFF2-40B4-BE49-F238E27FC236}">
+                <a16:creationId xmlns:a16="http://schemas.microsoft.com/office/drawing/2014/main" id="{0D6B11AB-C2BC-42E8-A625-C6551E0F9E86}"/>
+              </a:ext>
+            </a:extLst>
+          </p:cNvPr>
+          <p:cNvPicPr>
+            <a:picLocks noChangeAspect="1"/>
+          </p:cNvPicPr>
+          <p:nvPr/>
+        </p:nvPicPr>
+        <p:blipFill>
+          <a:blip r:embed="rId3">
+            <a:extLst>
+              <a:ext uri="{28A0092B-C50C-407E-A947-70E740481C1C}">
+                <a14:useLocalDpi xmlns:a14="http://schemas.microsoft.com/office/drawing/2010/main" val="0"/>
+              </a:ext>
+            </a:extLst>
+          </a:blip>
+          <a:stretch>
+            <a:fillRect/>
+          </a:stretch>
+        </p:blipFill>
+        <p:spPr>
+          <a:xfrm>
+            <a:off x="677334" y="3212437"/>
+            <a:ext cx="9163050" cy="2828925"/>
+          </a:xfrm>
+          <a:prstGeom prst="rect">
+            <a:avLst/>
+          </a:prstGeom>
+        </p:spPr>
+      </p:pic>
+    </p:spTree>
+    <p:extLst>
+      <p:ext uri="{BB962C8B-B14F-4D97-AF65-F5344CB8AC3E}">
+        <p14:creationId xmlns:p14="http://schemas.microsoft.com/office/powerpoint/2010/main" val="2378949467"/>
       </p:ext>
     </p:extLst>
   </p:cSld>

--- a/3. classfier/classifier.pptx
+++ b/3. classfier/classifier.pptx
@@ -9,24 +9,23 @@
     <p:sldId id="292" r:id="rId3"/>
     <p:sldId id="293" r:id="rId4"/>
     <p:sldId id="294" r:id="rId5"/>
-    <p:sldId id="295" r:id="rId6"/>
-    <p:sldId id="298" r:id="rId7"/>
-    <p:sldId id="303" r:id="rId8"/>
-    <p:sldId id="304" r:id="rId9"/>
-    <p:sldId id="300" r:id="rId10"/>
-    <p:sldId id="302" r:id="rId11"/>
-    <p:sldId id="301" r:id="rId12"/>
-    <p:sldId id="308" r:id="rId13"/>
-    <p:sldId id="309" r:id="rId14"/>
-    <p:sldId id="310" r:id="rId15"/>
-    <p:sldId id="305" r:id="rId16"/>
-    <p:sldId id="312" r:id="rId17"/>
-    <p:sldId id="313" r:id="rId18"/>
-    <p:sldId id="306" r:id="rId19"/>
-    <p:sldId id="307" r:id="rId20"/>
-    <p:sldId id="317" r:id="rId21"/>
-    <p:sldId id="315" r:id="rId22"/>
-    <p:sldId id="316" r:id="rId23"/>
+    <p:sldId id="298" r:id="rId6"/>
+    <p:sldId id="303" r:id="rId7"/>
+    <p:sldId id="304" r:id="rId8"/>
+    <p:sldId id="300" r:id="rId9"/>
+    <p:sldId id="302" r:id="rId10"/>
+    <p:sldId id="301" r:id="rId11"/>
+    <p:sldId id="308" r:id="rId12"/>
+    <p:sldId id="309" r:id="rId13"/>
+    <p:sldId id="310" r:id="rId14"/>
+    <p:sldId id="305" r:id="rId15"/>
+    <p:sldId id="312" r:id="rId16"/>
+    <p:sldId id="313" r:id="rId17"/>
+    <p:sldId id="306" r:id="rId18"/>
+    <p:sldId id="307" r:id="rId19"/>
+    <p:sldId id="317" r:id="rId20"/>
+    <p:sldId id="315" r:id="rId21"/>
+    <p:sldId id="316" r:id="rId22"/>
   </p:sldIdLst>
   <p:sldSz cx="12192000" cy="6858000"/>
   <p:notesSz cx="6858000" cy="9144000"/>
@@ -5952,154 +5951,6 @@
           <p:cNvPr id="2" name="標題 1">
             <a:extLst>
               <a:ext uri="{FF2B5EF4-FFF2-40B4-BE49-F238E27FC236}">
-                <a16:creationId xmlns:a16="http://schemas.microsoft.com/office/drawing/2014/main" id="{007AEB34-9563-4734-8B5D-BC2C3851CD30}"/>
-              </a:ext>
-            </a:extLst>
-          </p:cNvPr>
-          <p:cNvSpPr>
-            <a:spLocks noGrp="1"/>
-          </p:cNvSpPr>
-          <p:nvPr>
-            <p:ph type="title"/>
-          </p:nvPr>
-        </p:nvSpPr>
-        <p:spPr/>
-        <p:txBody>
-          <a:bodyPr/>
-          <a:lstStyle/>
-          <a:p>
-            <a:r>
-              <a:rPr lang="en-US" altLang="zh-HK" dirty="0"/>
-              <a:t>Data collection </a:t>
-            </a:r>
-            <a:endParaRPr lang="zh-HK" altLang="en-US" dirty="0"/>
-          </a:p>
-        </p:txBody>
-      </p:sp>
-      <p:sp>
-        <p:nvSpPr>
-          <p:cNvPr id="3" name="內容版面配置區 2">
-            <a:extLst>
-              <a:ext uri="{FF2B5EF4-FFF2-40B4-BE49-F238E27FC236}">
-                <a16:creationId xmlns:a16="http://schemas.microsoft.com/office/drawing/2014/main" id="{FC914F9B-4F2F-4D4E-816D-35AEF4651824}"/>
-              </a:ext>
-            </a:extLst>
-          </p:cNvPr>
-          <p:cNvSpPr>
-            <a:spLocks noGrp="1"/>
-          </p:cNvSpPr>
-          <p:nvPr>
-            <p:ph idx="1"/>
-          </p:nvPr>
-        </p:nvSpPr>
-        <p:spPr/>
-        <p:txBody>
-          <a:bodyPr/>
-          <a:lstStyle/>
-          <a:p>
-            <a:r>
-              <a:rPr lang="en-US" altLang="zh-HK" dirty="0"/>
-              <a:t>Pokémon 1v1 battle data, from </a:t>
-            </a:r>
-            <a:r>
-              <a:rPr lang="en-US" altLang="zh-HK" dirty="0">
-                <a:solidFill>
-                  <a:srgbClr val="0070C0"/>
-                </a:solidFill>
-                <a:hlinkClick r:id="rId2"/>
-              </a:rPr>
-              <a:t>https://pokemonshowdown.com/</a:t>
-            </a:r>
-            <a:r>
-              <a:rPr lang="en-US" altLang="zh-HK" dirty="0">
-                <a:solidFill>
-                  <a:srgbClr val="0070C0"/>
-                </a:solidFill>
-              </a:rPr>
-              <a:t> </a:t>
-            </a:r>
-            <a:endParaRPr lang="zh-HK" altLang="en-US" dirty="0">
-              <a:solidFill>
-                <a:srgbClr val="0070C0"/>
-              </a:solidFill>
-            </a:endParaRPr>
-          </a:p>
-          <a:p>
-            <a:endParaRPr lang="zh-HK" altLang="en-US" dirty="0"/>
-          </a:p>
-        </p:txBody>
-      </p:sp>
-      <p:pic>
-        <p:nvPicPr>
-          <p:cNvPr id="5" name="圖片 4" descr="一張含有 文字 的圖片&#10;&#10;自動產生的描述">
-            <a:extLst>
-              <a:ext uri="{FF2B5EF4-FFF2-40B4-BE49-F238E27FC236}">
-                <a16:creationId xmlns:a16="http://schemas.microsoft.com/office/drawing/2014/main" id="{59BEFDA7-02C6-427F-9757-D887AD0FB609}"/>
-              </a:ext>
-            </a:extLst>
-          </p:cNvPr>
-          <p:cNvPicPr>
-            <a:picLocks noChangeAspect="1"/>
-          </p:cNvPicPr>
-          <p:nvPr/>
-        </p:nvPicPr>
-        <p:blipFill>
-          <a:blip r:embed="rId3">
-            <a:extLst>
-              <a:ext uri="{28A0092B-C50C-407E-A947-70E740481C1C}">
-                <a14:useLocalDpi xmlns:a14="http://schemas.microsoft.com/office/drawing/2010/main" val="0"/>
-              </a:ext>
-            </a:extLst>
-          </a:blip>
-          <a:stretch>
-            <a:fillRect/>
-          </a:stretch>
-        </p:blipFill>
-        <p:spPr>
-          <a:xfrm>
-            <a:off x="2054642" y="2641434"/>
-            <a:ext cx="5757863" cy="4011402"/>
-          </a:xfrm>
-          <a:prstGeom prst="rect">
-            <a:avLst/>
-          </a:prstGeom>
-        </p:spPr>
-      </p:pic>
-    </p:spTree>
-    <p:extLst>
-      <p:ext uri="{BB962C8B-B14F-4D97-AF65-F5344CB8AC3E}">
-        <p14:creationId xmlns:p14="http://schemas.microsoft.com/office/powerpoint/2010/main" val="585338777"/>
-      </p:ext>
-    </p:extLst>
-  </p:cSld>
-  <p:clrMapOvr>
-    <a:masterClrMapping/>
-  </p:clrMapOvr>
-</p:sld>
-</file>
-
-<file path=ppt/slides/slide11.xml><?xml version="1.0" encoding="utf-8"?>
-<p:sld xmlns:a="http://schemas.openxmlformats.org/drawingml/2006/main" xmlns:r="http://schemas.openxmlformats.org/officeDocument/2006/relationships" xmlns:p="http://schemas.openxmlformats.org/presentationml/2006/main">
-  <p:cSld>
-    <p:spTree>
-      <p:nvGrpSpPr>
-        <p:cNvPr id="1" name=""/>
-        <p:cNvGrpSpPr/>
-        <p:nvPr/>
-      </p:nvGrpSpPr>
-      <p:grpSpPr>
-        <a:xfrm>
-          <a:off x="0" y="0"/>
-          <a:ext cx="0" cy="0"/>
-          <a:chOff x="0" y="0"/>
-          <a:chExt cx="0" cy="0"/>
-        </a:xfrm>
-      </p:grpSpPr>
-      <p:sp>
-        <p:nvSpPr>
-          <p:cNvPr id="2" name="標題 1">
-            <a:extLst>
-              <a:ext uri="{FF2B5EF4-FFF2-40B4-BE49-F238E27FC236}">
                 <a16:creationId xmlns:a16="http://schemas.microsoft.com/office/drawing/2014/main" id="{FB3D1FEB-5F23-4C3B-B6AE-CBE9D8B6EAF9}"/>
               </a:ext>
             </a:extLst>
@@ -6260,7 +6111,7 @@
 </p:sld>
 </file>
 
-<file path=ppt/slides/slide12.xml><?xml version="1.0" encoding="utf-8"?>
+<file path=ppt/slides/slide11.xml><?xml version="1.0" encoding="utf-8"?>
 <p:sld xmlns:a="http://schemas.openxmlformats.org/drawingml/2006/main" xmlns:r="http://schemas.openxmlformats.org/officeDocument/2006/relationships" xmlns:p="http://schemas.openxmlformats.org/presentationml/2006/main">
   <p:cSld>
     <p:spTree>
@@ -6363,7 +6214,7 @@
 </p:sld>
 </file>
 
-<file path=ppt/slides/slide13.xml><?xml version="1.0" encoding="utf-8"?>
+<file path=ppt/slides/slide12.xml><?xml version="1.0" encoding="utf-8"?>
 <p:sld xmlns:a="http://schemas.openxmlformats.org/drawingml/2006/main" xmlns:r="http://schemas.openxmlformats.org/officeDocument/2006/relationships" xmlns:p="http://schemas.openxmlformats.org/presentationml/2006/main">
   <p:cSld>
     <p:spTree>
@@ -6502,7 +6353,7 @@
 </p:sld>
 </file>
 
-<file path=ppt/slides/slide14.xml><?xml version="1.0" encoding="utf-8"?>
+<file path=ppt/slides/slide13.xml><?xml version="1.0" encoding="utf-8"?>
 <p:sld xmlns:a="http://schemas.openxmlformats.org/drawingml/2006/main" xmlns:r="http://schemas.openxmlformats.org/officeDocument/2006/relationships" xmlns:p="http://schemas.openxmlformats.org/presentationml/2006/main">
   <p:cSld>
     <p:spTree>
@@ -6617,7 +6468,7 @@
 </p:sld>
 </file>
 
-<file path=ppt/slides/slide15.xml><?xml version="1.0" encoding="utf-8"?>
+<file path=ppt/slides/slide14.xml><?xml version="1.0" encoding="utf-8"?>
 <p:sld xmlns:a="http://schemas.openxmlformats.org/drawingml/2006/main" xmlns:r="http://schemas.openxmlformats.org/officeDocument/2006/relationships" xmlns:p="http://schemas.openxmlformats.org/presentationml/2006/main">
   <p:cSld>
     <p:spTree>
@@ -6806,7 +6657,7 @@
 </p:sld>
 </file>
 
-<file path=ppt/slides/slide16.xml><?xml version="1.0" encoding="utf-8"?>
+<file path=ppt/slides/slide15.xml><?xml version="1.0" encoding="utf-8"?>
 <p:sld xmlns:a="http://schemas.openxmlformats.org/drawingml/2006/main" xmlns:r="http://schemas.openxmlformats.org/officeDocument/2006/relationships" xmlns:p="http://schemas.openxmlformats.org/presentationml/2006/main">
   <p:cSld>
     <p:spTree>
@@ -6885,7 +6736,7 @@
         </p:blipFill>
         <p:spPr>
           <a:xfrm>
-            <a:off x="340450" y="2870243"/>
+            <a:off x="677334" y="2737078"/>
             <a:ext cx="4327470" cy="3881437"/>
           </a:xfrm>
         </p:spPr>
@@ -6918,7 +6769,7 @@
         </p:blipFill>
         <p:spPr>
           <a:xfrm>
-            <a:off x="6464411" y="3117851"/>
+            <a:off x="5692054" y="2868046"/>
             <a:ext cx="3943350" cy="3619500"/>
           </a:xfrm>
           <a:prstGeom prst="rect">
@@ -7208,7 +7059,7 @@
 </p:sld>
 </file>
 
-<file path=ppt/slides/slide17.xml><?xml version="1.0" encoding="utf-8"?>
+<file path=ppt/slides/slide16.xml><?xml version="1.0" encoding="utf-8"?>
 <p:sld xmlns:a="http://schemas.openxmlformats.org/drawingml/2006/main" xmlns:r="http://schemas.openxmlformats.org/officeDocument/2006/relationships" xmlns:p="http://schemas.openxmlformats.org/presentationml/2006/main">
   <p:cSld>
     <p:spTree>
@@ -7346,7 +7197,7 @@
 </p:sld>
 </file>
 
-<file path=ppt/slides/slide18.xml><?xml version="1.0" encoding="utf-8"?>
+<file path=ppt/slides/slide17.xml><?xml version="1.0" encoding="utf-8"?>
 <p:sld xmlns:a="http://schemas.openxmlformats.org/drawingml/2006/main" xmlns:r="http://schemas.openxmlformats.org/officeDocument/2006/relationships" xmlns:p="http://schemas.openxmlformats.org/presentationml/2006/main">
   <p:cSld>
     <p:spTree>
@@ -7721,7 +7572,7 @@
 </p:sld>
 </file>
 
-<file path=ppt/slides/slide19.xml><?xml version="1.0" encoding="utf-8"?>
+<file path=ppt/slides/slide18.xml><?xml version="1.0" encoding="utf-8"?>
 <p:sld xmlns:a="http://schemas.openxmlformats.org/drawingml/2006/main" xmlns:r="http://schemas.openxmlformats.org/officeDocument/2006/relationships" xmlns:p="http://schemas.openxmlformats.org/presentationml/2006/main">
   <p:cSld>
     <p:spTree>
@@ -7903,6 +7754,197 @@
 </p:sld>
 </file>
 
+<file path=ppt/slides/slide19.xml><?xml version="1.0" encoding="utf-8"?>
+<p:sld xmlns:a="http://schemas.openxmlformats.org/drawingml/2006/main" xmlns:r="http://schemas.openxmlformats.org/officeDocument/2006/relationships" xmlns:p="http://schemas.openxmlformats.org/presentationml/2006/main">
+  <p:cSld>
+    <p:spTree>
+      <p:nvGrpSpPr>
+        <p:cNvPr id="1" name=""/>
+        <p:cNvGrpSpPr/>
+        <p:nvPr/>
+      </p:nvGrpSpPr>
+      <p:grpSpPr>
+        <a:xfrm>
+          <a:off x="0" y="0"/>
+          <a:ext cx="0" cy="0"/>
+          <a:chOff x="0" y="0"/>
+          <a:chExt cx="0" cy="0"/>
+        </a:xfrm>
+      </p:grpSpPr>
+      <p:sp>
+        <p:nvSpPr>
+          <p:cNvPr id="3" name="內容版面配置區 2">
+            <a:extLst>
+              <a:ext uri="{FF2B5EF4-FFF2-40B4-BE49-F238E27FC236}">
+                <a16:creationId xmlns:a16="http://schemas.microsoft.com/office/drawing/2014/main" id="{C45A592D-89EA-464A-9614-89072322D206}"/>
+              </a:ext>
+            </a:extLst>
+          </p:cNvPr>
+          <p:cNvSpPr>
+            <a:spLocks noGrp="1"/>
+          </p:cNvSpPr>
+          <p:nvPr>
+            <p:ph idx="1"/>
+          </p:nvPr>
+        </p:nvSpPr>
+        <p:spPr>
+          <a:xfrm>
+            <a:off x="419881" y="1097872"/>
+            <a:ext cx="8981571" cy="5214151"/>
+          </a:xfrm>
+        </p:spPr>
+        <p:txBody>
+          <a:bodyPr>
+            <a:normAutofit/>
+          </a:bodyPr>
+          <a:lstStyle/>
+          <a:p>
+            <a:r>
+              <a:rPr lang="en-US" altLang="zh-HK" sz="1800" dirty="0"/>
+              <a:t>FPR and TPR changes rapidly and dramatically with some </a:t>
+            </a:r>
+            <a:r>
+              <a:rPr lang="en-US" altLang="zh-HK" sz="1800" dirty="0" err="1"/>
+              <a:t>crictical</a:t>
+            </a:r>
+            <a:r>
+              <a:rPr lang="en-US" altLang="zh-HK" sz="1800" dirty="0"/>
+              <a:t> values, especially for Decision tree. </a:t>
+            </a:r>
+          </a:p>
+          <a:p>
+            <a:r>
+              <a:rPr lang="en-US" altLang="zh-HK" sz="1800" dirty="0"/>
+              <a:t>Getting an </a:t>
+            </a:r>
+            <a:r>
+              <a:rPr lang="en-US" altLang="zh-HK" sz="1800" dirty="0" err="1"/>
+              <a:t>Optimised</a:t>
+            </a:r>
+            <a:r>
+              <a:rPr lang="en-US" altLang="zh-HK" sz="1800" dirty="0"/>
+              <a:t> threshold values is not helpful in these models, since the predictions are too sensitive and extreme to different thresholds. Just a slight change on the costs can results in completely opposite predictions.</a:t>
+            </a:r>
+            <a:endParaRPr lang="en-US" altLang="zh-HK" dirty="0"/>
+          </a:p>
+          <a:p>
+            <a:r>
+              <a:rPr lang="en-US" altLang="zh-HK" sz="1800" dirty="0"/>
+              <a:t>This may suggest </a:t>
+            </a:r>
+            <a:r>
+              <a:rPr lang="en-US" altLang="zh-HK" sz="1800" dirty="0" err="1"/>
+              <a:t>fm</a:t>
+            </a:r>
+            <a:r>
+              <a:rPr lang="en-US" altLang="zh-HK" sz="1800" dirty="0"/>
+              <a:t> </a:t>
+            </a:r>
+            <a:r>
+              <a:rPr lang="en-US" altLang="zh-HK" sz="1800" dirty="0" err="1"/>
+              <a:t>Optimisation</a:t>
+            </a:r>
+            <a:r>
+              <a:rPr lang="en-US" altLang="zh-HK" sz="1800" dirty="0"/>
+              <a:t> in an unsignificant model is hard, all depends on which error, FP or FN, is more except able or favorable. </a:t>
+            </a:r>
+          </a:p>
+          <a:p>
+            <a:r>
+              <a:rPr lang="en-US" altLang="zh-HK" dirty="0"/>
+              <a:t>Even within the validation dataset, the </a:t>
+            </a:r>
+            <a:r>
+              <a:rPr lang="en-US" altLang="zh-HK" dirty="0" err="1"/>
+              <a:t>fm</a:t>
+            </a:r>
+            <a:r>
+              <a:rPr lang="en-US" altLang="zh-HK" dirty="0"/>
+              <a:t> </a:t>
+            </a:r>
+            <a:r>
+              <a:rPr lang="en-US" altLang="zh-HK" dirty="0" err="1"/>
+              <a:t>Optimisation</a:t>
+            </a:r>
+            <a:r>
+              <a:rPr lang="en-US" altLang="zh-HK" dirty="0"/>
+              <a:t> with </a:t>
+            </a:r>
+            <a:r>
+              <a:rPr lang="en-US" altLang="zh-HK" dirty="0" err="1"/>
+              <a:t>cost_negative</a:t>
+            </a:r>
+            <a:r>
+              <a:rPr lang="en-US" altLang="zh-HK" dirty="0"/>
+              <a:t>=2 caused the model to predict mostly False and all False in Decision tree model (due to the threshold &gt; 1). </a:t>
+            </a:r>
+          </a:p>
+          <a:p>
+            <a:r>
+              <a:rPr lang="en-US" altLang="zh-HK" dirty="0"/>
+              <a:t>If we aim to getting better looking results on TPR and FPR, we have to tune the costs </a:t>
+            </a:r>
+          </a:p>
+          <a:p>
+            <a:r>
+              <a:rPr lang="en-US" altLang="zh-HK" dirty="0"/>
+              <a:t>but then this action violates the main idea of </a:t>
+            </a:r>
+            <a:r>
+              <a:rPr lang="en-US" altLang="zh-HK" dirty="0" err="1"/>
+              <a:t>fm</a:t>
+            </a:r>
+            <a:r>
+              <a:rPr lang="en-US" altLang="zh-HK" dirty="0"/>
+              <a:t> </a:t>
+            </a:r>
+            <a:r>
+              <a:rPr lang="en-US" altLang="zh-HK" dirty="0" err="1"/>
+              <a:t>Optimisation</a:t>
+            </a:r>
+            <a:r>
+              <a:rPr lang="en-US" altLang="zh-HK" dirty="0"/>
+              <a:t>. </a:t>
+            </a:r>
+          </a:p>
+          <a:p>
+            <a:r>
+              <a:rPr lang="en-US" altLang="zh-HK" dirty="0"/>
+              <a:t>Therefore, I would say </a:t>
+            </a:r>
+            <a:r>
+              <a:rPr lang="en-US" altLang="zh-HK" dirty="0" err="1"/>
+              <a:t>fm</a:t>
+            </a:r>
+            <a:r>
+              <a:rPr lang="en-US" altLang="zh-HK" dirty="0"/>
+              <a:t> </a:t>
+            </a:r>
+            <a:r>
+              <a:rPr lang="en-US" altLang="zh-HK" dirty="0" err="1"/>
+              <a:t>Optimisation</a:t>
+            </a:r>
+            <a:r>
+              <a:rPr lang="en-US" altLang="zh-HK" dirty="0"/>
+              <a:t> is not applicable in these models.</a:t>
+            </a:r>
+            <a:endParaRPr lang="zh-HK" altLang="en-US" dirty="0"/>
+          </a:p>
+        </p:txBody>
+      </p:sp>
+    </p:spTree>
+    <p:extLst>
+      <p:ext uri="{BB962C8B-B14F-4D97-AF65-F5344CB8AC3E}">
+        <p14:creationId xmlns:p14="http://schemas.microsoft.com/office/powerpoint/2010/main" val="2497232780"/>
+      </p:ext>
+    </p:extLst>
+  </p:cSld>
+  <p:clrMapOvr>
+    <a:masterClrMapping/>
+  </p:clrMapOvr>
+</p:sld>
+</file>
+
 <file path=ppt/slides/slide2.xml><?xml version="1.0" encoding="utf-8"?>
 <p:sld xmlns:a="http://schemas.openxmlformats.org/drawingml/2006/main" xmlns:r="http://schemas.openxmlformats.org/officeDocument/2006/relationships" xmlns:p="http://schemas.openxmlformats.org/presentationml/2006/main">
   <p:cSld>
@@ -8064,197 +8106,6 @@
       </p:grpSpPr>
       <p:sp>
         <p:nvSpPr>
-          <p:cNvPr id="3" name="內容版面配置區 2">
-            <a:extLst>
-              <a:ext uri="{FF2B5EF4-FFF2-40B4-BE49-F238E27FC236}">
-                <a16:creationId xmlns:a16="http://schemas.microsoft.com/office/drawing/2014/main" id="{C45A592D-89EA-464A-9614-89072322D206}"/>
-              </a:ext>
-            </a:extLst>
-          </p:cNvPr>
-          <p:cNvSpPr>
-            <a:spLocks noGrp="1"/>
-          </p:cNvSpPr>
-          <p:nvPr>
-            <p:ph idx="1"/>
-          </p:nvPr>
-        </p:nvSpPr>
-        <p:spPr>
-          <a:xfrm>
-            <a:off x="384370" y="529701"/>
-            <a:ext cx="8981571" cy="5214151"/>
-          </a:xfrm>
-        </p:spPr>
-        <p:txBody>
-          <a:bodyPr>
-            <a:normAutofit/>
-          </a:bodyPr>
-          <a:lstStyle/>
-          <a:p>
-            <a:r>
-              <a:rPr lang="en-US" altLang="zh-HK" sz="1800" dirty="0"/>
-              <a:t>FPR and TPR changes rapidly and dramatically with some </a:t>
-            </a:r>
-            <a:r>
-              <a:rPr lang="en-US" altLang="zh-HK" sz="1800" dirty="0" err="1"/>
-              <a:t>crictical</a:t>
-            </a:r>
-            <a:r>
-              <a:rPr lang="en-US" altLang="zh-HK" sz="1800" dirty="0"/>
-              <a:t> values, especially for Decision tree. </a:t>
-            </a:r>
-          </a:p>
-          <a:p>
-            <a:r>
-              <a:rPr lang="en-US" altLang="zh-HK" sz="1800" dirty="0"/>
-              <a:t>Getting an </a:t>
-            </a:r>
-            <a:r>
-              <a:rPr lang="en-US" altLang="zh-HK" sz="1800" dirty="0" err="1"/>
-              <a:t>Optimised</a:t>
-            </a:r>
-            <a:r>
-              <a:rPr lang="en-US" altLang="zh-HK" sz="1800" dirty="0"/>
-              <a:t> threshold values is not helpful in these models, since the predictions are too sensitive and extreme to different thresholds. Just a slight change on the costs can results in completely opposite predictions.</a:t>
-            </a:r>
-            <a:endParaRPr lang="en-US" altLang="zh-HK" dirty="0"/>
-          </a:p>
-          <a:p>
-            <a:r>
-              <a:rPr lang="en-US" altLang="zh-HK" sz="1800" dirty="0"/>
-              <a:t>This may suggest </a:t>
-            </a:r>
-            <a:r>
-              <a:rPr lang="en-US" altLang="zh-HK" sz="1800" dirty="0" err="1"/>
-              <a:t>fm</a:t>
-            </a:r>
-            <a:r>
-              <a:rPr lang="en-US" altLang="zh-HK" sz="1800" dirty="0"/>
-              <a:t> </a:t>
-            </a:r>
-            <a:r>
-              <a:rPr lang="en-US" altLang="zh-HK" sz="1800" dirty="0" err="1"/>
-              <a:t>Optimisation</a:t>
-            </a:r>
-            <a:r>
-              <a:rPr lang="en-US" altLang="zh-HK" sz="1800" dirty="0"/>
-              <a:t> in an unsignificant model is hard, all depends on which error, FP or FN, is more except able or favorable. </a:t>
-            </a:r>
-          </a:p>
-          <a:p>
-            <a:r>
-              <a:rPr lang="en-US" altLang="zh-HK" dirty="0"/>
-              <a:t>Even within the validation dataset, the </a:t>
-            </a:r>
-            <a:r>
-              <a:rPr lang="en-US" altLang="zh-HK" dirty="0" err="1"/>
-              <a:t>fm</a:t>
-            </a:r>
-            <a:r>
-              <a:rPr lang="en-US" altLang="zh-HK" dirty="0"/>
-              <a:t> </a:t>
-            </a:r>
-            <a:r>
-              <a:rPr lang="en-US" altLang="zh-HK" dirty="0" err="1"/>
-              <a:t>Optimisation</a:t>
-            </a:r>
-            <a:r>
-              <a:rPr lang="en-US" altLang="zh-HK" dirty="0"/>
-              <a:t> with </a:t>
-            </a:r>
-            <a:r>
-              <a:rPr lang="en-US" altLang="zh-HK" dirty="0" err="1"/>
-              <a:t>cost_negative</a:t>
-            </a:r>
-            <a:r>
-              <a:rPr lang="en-US" altLang="zh-HK" dirty="0"/>
-              <a:t>=2 caused the model to predict mostly False and all False in Decision tree model (due to the threshold &gt; 1). </a:t>
-            </a:r>
-          </a:p>
-          <a:p>
-            <a:r>
-              <a:rPr lang="en-US" altLang="zh-HK" dirty="0"/>
-              <a:t>If we aim to getting better looking results on TPR and FPR, we have to tune the costs </a:t>
-            </a:r>
-          </a:p>
-          <a:p>
-            <a:r>
-              <a:rPr lang="en-US" altLang="zh-HK" dirty="0"/>
-              <a:t>but then this action violates the main idea of </a:t>
-            </a:r>
-            <a:r>
-              <a:rPr lang="en-US" altLang="zh-HK" dirty="0" err="1"/>
-              <a:t>fm</a:t>
-            </a:r>
-            <a:r>
-              <a:rPr lang="en-US" altLang="zh-HK" dirty="0"/>
-              <a:t> </a:t>
-            </a:r>
-            <a:r>
-              <a:rPr lang="en-US" altLang="zh-HK" dirty="0" err="1"/>
-              <a:t>Optimisation</a:t>
-            </a:r>
-            <a:r>
-              <a:rPr lang="en-US" altLang="zh-HK" dirty="0"/>
-              <a:t>. </a:t>
-            </a:r>
-          </a:p>
-          <a:p>
-            <a:r>
-              <a:rPr lang="en-US" altLang="zh-HK" dirty="0"/>
-              <a:t>Therefore, I would say </a:t>
-            </a:r>
-            <a:r>
-              <a:rPr lang="en-US" altLang="zh-HK" dirty="0" err="1"/>
-              <a:t>fm</a:t>
-            </a:r>
-            <a:r>
-              <a:rPr lang="en-US" altLang="zh-HK" dirty="0"/>
-              <a:t> </a:t>
-            </a:r>
-            <a:r>
-              <a:rPr lang="en-US" altLang="zh-HK" dirty="0" err="1"/>
-              <a:t>Optimisation</a:t>
-            </a:r>
-            <a:r>
-              <a:rPr lang="en-US" altLang="zh-HK" dirty="0"/>
-              <a:t> is not applicable in these models.</a:t>
-            </a:r>
-            <a:endParaRPr lang="zh-HK" altLang="en-US" dirty="0"/>
-          </a:p>
-        </p:txBody>
-      </p:sp>
-    </p:spTree>
-    <p:extLst>
-      <p:ext uri="{BB962C8B-B14F-4D97-AF65-F5344CB8AC3E}">
-        <p14:creationId xmlns:p14="http://schemas.microsoft.com/office/powerpoint/2010/main" val="2497232780"/>
-      </p:ext>
-    </p:extLst>
-  </p:cSld>
-  <p:clrMapOvr>
-    <a:masterClrMapping/>
-  </p:clrMapOvr>
-</p:sld>
-</file>
-
-<file path=ppt/slides/slide21.xml><?xml version="1.0" encoding="utf-8"?>
-<p:sld xmlns:a="http://schemas.openxmlformats.org/drawingml/2006/main" xmlns:r="http://schemas.openxmlformats.org/officeDocument/2006/relationships" xmlns:p="http://schemas.openxmlformats.org/presentationml/2006/main">
-  <p:cSld>
-    <p:spTree>
-      <p:nvGrpSpPr>
-        <p:cNvPr id="1" name=""/>
-        <p:cNvGrpSpPr/>
-        <p:nvPr/>
-      </p:nvGrpSpPr>
-      <p:grpSpPr>
-        <a:xfrm>
-          <a:off x="0" y="0"/>
-          <a:ext cx="0" cy="0"/>
-          <a:chOff x="0" y="0"/>
-          <a:chExt cx="0" cy="0"/>
-        </a:xfrm>
-      </p:grpSpPr>
-      <p:sp>
-        <p:nvSpPr>
           <p:cNvPr id="2" name="標題 1">
             <a:extLst>
               <a:ext uri="{FF2B5EF4-FFF2-40B4-BE49-F238E27FC236}">
@@ -8375,7 +8226,7 @@
 </p:sld>
 </file>
 
-<file path=ppt/slides/slide22.xml><?xml version="1.0" encoding="utf-8"?>
+<file path=ppt/slides/slide21.xml><?xml version="1.0" encoding="utf-8"?>
 <p:sld xmlns:a="http://schemas.openxmlformats.org/drawingml/2006/main" xmlns:r="http://schemas.openxmlformats.org/officeDocument/2006/relationships" xmlns:p="http://schemas.openxmlformats.org/presentationml/2006/main">
   <p:cSld>
     <p:spTree>
@@ -9562,7 +9413,7 @@
           <p:cNvPr id="2" name="標題 1">
             <a:extLst>
               <a:ext uri="{FF2B5EF4-FFF2-40B4-BE49-F238E27FC236}">
-                <a16:creationId xmlns:a16="http://schemas.microsoft.com/office/drawing/2014/main" id="{61D89244-7583-4E32-9601-5F0B111870E7}"/>
+                <a16:creationId xmlns:a16="http://schemas.microsoft.com/office/drawing/2014/main" id="{780A9A98-10A4-449D-8B5A-170CB12BFDCC}"/>
               </a:ext>
             </a:extLst>
           </p:cNvPr>
@@ -9580,7 +9431,7 @@
           <a:p>
             <a:r>
               <a:rPr lang="en-US" altLang="zh-HK" dirty="0"/>
-              <a:t>Measure the performance</a:t>
+              <a:t>Costs of mis-identifying </a:t>
             </a:r>
             <a:endParaRPr lang="zh-HK" altLang="en-US" dirty="0"/>
           </a:p>
@@ -9591,7 +9442,7 @@
           <p:cNvPr id="3" name="內容版面配置區 2">
             <a:extLst>
               <a:ext uri="{FF2B5EF4-FFF2-40B4-BE49-F238E27FC236}">
-                <a16:creationId xmlns:a16="http://schemas.microsoft.com/office/drawing/2014/main" id="{D02A365B-74AF-4306-892C-7573553571FF}"/>
+                <a16:creationId xmlns:a16="http://schemas.microsoft.com/office/drawing/2014/main" id="{0ACA8E14-9D72-4F86-B215-93B733E79DF3}"/>
               </a:ext>
             </a:extLst>
           </p:cNvPr>
@@ -9602,325 +9453,132 @@
             <p:ph idx="1"/>
           </p:nvPr>
         </p:nvSpPr>
+        <p:spPr/>
+        <p:txBody>
+          <a:bodyPr/>
+          <a:lstStyle/>
+          <a:p>
+            <a:pPr marL="0" indent="0">
+              <a:buNone/>
+            </a:pPr>
+            <a:r>
+              <a:rPr lang="en-US" altLang="zh-HK" dirty="0"/>
+              <a:t>In my opinion:  </a:t>
+            </a:r>
+          </a:p>
+          <a:p>
+            <a:r>
+              <a:rPr lang="en-US" altLang="zh-HK" dirty="0"/>
+              <a:t>Cost of False Negative &gt; Cost of False positive</a:t>
+            </a:r>
+          </a:p>
+          <a:p>
+            <a:r>
+              <a:rPr lang="en-US" altLang="zh-HK" dirty="0"/>
+              <a:t>no penalty on losing a battle, but emotional or psychological  </a:t>
+            </a:r>
+          </a:p>
+          <a:p>
+            <a:r>
+              <a:rPr lang="en-US" altLang="zh-HK" dirty="0"/>
+              <a:t>The cost of negative is decided to be twice as much as cost of positive, due to Loss aversion by Amos Tversky and Daniel Kahneman.</a:t>
+            </a:r>
+          </a:p>
+        </p:txBody>
+      </p:sp>
+      <p:sp>
+        <p:nvSpPr>
+          <p:cNvPr id="4" name="文字方塊 3">
+            <a:extLst>
+              <a:ext uri="{FF2B5EF4-FFF2-40B4-BE49-F238E27FC236}">
+                <a16:creationId xmlns:a16="http://schemas.microsoft.com/office/drawing/2014/main" id="{3C381C86-B0AC-4062-8CF2-3271EEFF1570}"/>
+              </a:ext>
+            </a:extLst>
+          </p:cNvPr>
+          <p:cNvSpPr txBox="1"/>
+          <p:nvPr/>
+        </p:nvSpPr>
         <p:spPr>
           <a:xfrm>
-            <a:off x="561924" y="1305018"/>
-            <a:ext cx="8596668" cy="4860632"/>
+            <a:off x="7240210" y="1722329"/>
+            <a:ext cx="1899821" cy="646331"/>
           </a:xfrm>
+          <a:prstGeom prst="rect">
+            <a:avLst/>
+          </a:prstGeom>
+          <a:noFill/>
         </p:spPr>
         <p:txBody>
-          <a:bodyPr>
-            <a:normAutofit/>
+          <a:bodyPr wrap="square" rtlCol="0">
+            <a:spAutoFit/>
           </a:bodyPr>
           <a:lstStyle/>
           <a:p>
             <a:r>
               <a:rPr lang="en-US" altLang="zh-HK" dirty="0"/>
-              <a:t>For gamers and</a:t>
-            </a:r>
-            <a:r>
-              <a:rPr lang="en-US" altLang="zh-HK" dirty="0">
-                <a:solidFill>
-                  <a:srgbClr val="0A0A0A"/>
-                </a:solidFill>
-                <a:latin typeface="Roboto" panose="02000000000000000000" pitchFamily="2" charset="0"/>
-              </a:rPr>
-              <a:t> </a:t>
-            </a:r>
-            <a:r>
-              <a:rPr lang="en-US" altLang="zh-HK" b="0" i="0" dirty="0">
-                <a:solidFill>
-                  <a:srgbClr val="0A0A0A"/>
-                </a:solidFill>
-                <a:effectLst/>
-                <a:latin typeface="Roboto" panose="02000000000000000000" pitchFamily="2" charset="0"/>
-              </a:rPr>
-              <a:t>VGC participants (trainers and villains):</a:t>
-            </a:r>
-          </a:p>
-          <a:p>
-            <a:pPr lvl="1"/>
-            <a:r>
-              <a:rPr lang="en-US" altLang="zh-HK" dirty="0">
-                <a:solidFill>
-                  <a:srgbClr val="0A0A0A"/>
-                </a:solidFill>
-                <a:latin typeface="Roboto" panose="02000000000000000000" pitchFamily="2" charset="0"/>
-              </a:rPr>
-              <a:t>They care if this will bring them victory (how much they can win rather than lose)</a:t>
-            </a:r>
-          </a:p>
-          <a:p>
-            <a:pPr lvl="1"/>
-            <a:r>
-              <a:rPr lang="en-US" altLang="zh-HK" dirty="0">
-                <a:solidFill>
-                  <a:srgbClr val="0A0A0A"/>
-                </a:solidFill>
-                <a:latin typeface="Roboto" panose="02000000000000000000" pitchFamily="2" charset="0"/>
-              </a:rPr>
-              <a:t>Most likely </a:t>
-            </a:r>
-            <a:r>
-              <a:rPr lang="en-US" altLang="zh-HK" b="1" dirty="0">
-                <a:solidFill>
-                  <a:srgbClr val="0A0A0A"/>
-                </a:solidFill>
-                <a:latin typeface="Roboto" panose="02000000000000000000" pitchFamily="2" charset="0"/>
-              </a:rPr>
-              <a:t>Accuracy</a:t>
-            </a:r>
-            <a:r>
-              <a:rPr lang="en-US" altLang="zh-HK" dirty="0">
-                <a:solidFill>
-                  <a:srgbClr val="0A0A0A"/>
-                </a:solidFill>
-                <a:latin typeface="Roboto" panose="02000000000000000000" pitchFamily="2" charset="0"/>
-              </a:rPr>
-              <a:t> and </a:t>
-            </a:r>
-            <a:r>
-              <a:rPr lang="en-US" altLang="zh-HK" b="1" dirty="0">
-                <a:solidFill>
-                  <a:srgbClr val="0A0A0A"/>
-                </a:solidFill>
-                <a:latin typeface="Roboto" panose="02000000000000000000" pitchFamily="2" charset="0"/>
-              </a:rPr>
-              <a:t>Precision (PPV)</a:t>
-            </a:r>
-            <a:r>
-              <a:rPr lang="en-US" altLang="zh-HK" dirty="0">
-                <a:solidFill>
-                  <a:srgbClr val="0A0A0A"/>
-                </a:solidFill>
-                <a:latin typeface="Roboto" panose="02000000000000000000" pitchFamily="2" charset="0"/>
-              </a:rPr>
-              <a:t>,</a:t>
-            </a:r>
-            <a:r>
-              <a:rPr lang="en-US" altLang="zh-HK" b="1" dirty="0">
-                <a:solidFill>
-                  <a:srgbClr val="0A0A0A"/>
-                </a:solidFill>
-                <a:latin typeface="Roboto" panose="02000000000000000000" pitchFamily="2" charset="0"/>
-              </a:rPr>
-              <a:t> </a:t>
-            </a:r>
-            <a:r>
-              <a:rPr lang="en-US" altLang="zh-HK" dirty="0">
-                <a:solidFill>
-                  <a:srgbClr val="0A0A0A"/>
-                </a:solidFill>
-                <a:latin typeface="Roboto" panose="02000000000000000000" pitchFamily="2" charset="0"/>
-              </a:rPr>
-              <a:t>as there is no punishment on losing a battle, but depending on their battling style </a:t>
-            </a:r>
-          </a:p>
-          <a:p>
-            <a:r>
-              <a:rPr lang="en-US" altLang="zh-HK" b="0" i="0" dirty="0">
-                <a:solidFill>
-                  <a:srgbClr val="0A0A0A"/>
-                </a:solidFill>
-                <a:effectLst/>
-                <a:latin typeface="Roboto" panose="02000000000000000000" pitchFamily="2" charset="0"/>
-              </a:rPr>
-              <a:t>For </a:t>
-            </a:r>
-            <a:r>
-              <a:rPr lang="en-US" altLang="zh-HK" b="0" i="0" dirty="0" err="1">
-                <a:solidFill>
-                  <a:srgbClr val="0A0A0A"/>
-                </a:solidFill>
-                <a:effectLst/>
-                <a:latin typeface="Roboto" panose="02000000000000000000" pitchFamily="2" charset="0"/>
-              </a:rPr>
-              <a:t>organisers</a:t>
-            </a:r>
-            <a:r>
-              <a:rPr lang="en-US" altLang="zh-HK" dirty="0">
-                <a:solidFill>
-                  <a:srgbClr val="0A0A0A"/>
-                </a:solidFill>
-                <a:latin typeface="Roboto" panose="02000000000000000000" pitchFamily="2" charset="0"/>
-              </a:rPr>
-              <a:t>:</a:t>
-            </a:r>
-          </a:p>
-          <a:p>
-            <a:pPr lvl="1"/>
-            <a:r>
-              <a:rPr lang="en-US" altLang="zh-HK" b="1" dirty="0">
-                <a:solidFill>
-                  <a:srgbClr val="0A0A0A"/>
-                </a:solidFill>
-                <a:latin typeface="Roboto" panose="02000000000000000000" pitchFamily="2" charset="0"/>
-              </a:rPr>
-              <a:t>Everything</a:t>
-            </a:r>
-            <a:r>
-              <a:rPr lang="en-US" altLang="zh-HK" dirty="0">
-                <a:solidFill>
-                  <a:srgbClr val="0A0A0A"/>
-                </a:solidFill>
-                <a:latin typeface="Roboto" panose="02000000000000000000" pitchFamily="2" charset="0"/>
-              </a:rPr>
-              <a:t>, as they make the rules</a:t>
-            </a:r>
-          </a:p>
-          <a:p>
-            <a:r>
-              <a:rPr lang="en-US" altLang="zh-HK" dirty="0">
-                <a:solidFill>
-                  <a:srgbClr val="0A0A0A"/>
-                </a:solidFill>
-                <a:latin typeface="Roboto" panose="02000000000000000000" pitchFamily="2" charset="0"/>
-              </a:rPr>
-              <a:t>For game developers: </a:t>
-            </a:r>
-          </a:p>
-          <a:p>
-            <a:pPr lvl="1"/>
-            <a:r>
-              <a:rPr lang="en-US" altLang="zh-HK" dirty="0">
-                <a:solidFill>
-                  <a:srgbClr val="0A0A0A"/>
-                </a:solidFill>
-                <a:latin typeface="Roboto" panose="02000000000000000000" pitchFamily="2" charset="0"/>
-              </a:rPr>
-              <a:t>Similar to </a:t>
-            </a:r>
-            <a:r>
-              <a:rPr lang="en-US" altLang="zh-HK" b="0" i="0" dirty="0" err="1">
-                <a:solidFill>
-                  <a:srgbClr val="0A0A0A"/>
-                </a:solidFill>
-                <a:effectLst/>
-                <a:latin typeface="Roboto" panose="02000000000000000000" pitchFamily="2" charset="0"/>
-              </a:rPr>
-              <a:t>organisers</a:t>
-            </a:r>
-            <a:endParaRPr lang="en-US" altLang="zh-HK" b="0" i="0" dirty="0">
-              <a:solidFill>
-                <a:srgbClr val="0A0A0A"/>
-              </a:solidFill>
-              <a:effectLst/>
-              <a:latin typeface="Roboto" panose="02000000000000000000" pitchFamily="2" charset="0"/>
-            </a:endParaRPr>
-          </a:p>
-          <a:p>
-            <a:pPr lvl="1"/>
-            <a:r>
-              <a:rPr lang="en-US" altLang="zh-HK" dirty="0">
-                <a:solidFill>
-                  <a:srgbClr val="0A0A0A"/>
-                </a:solidFill>
-                <a:latin typeface="Roboto" panose="02000000000000000000" pitchFamily="2" charset="0"/>
-              </a:rPr>
-              <a:t>But may want to know which </a:t>
-            </a:r>
-            <a:r>
-              <a:rPr lang="en-US" altLang="zh-HK" i="0" dirty="0" err="1">
-                <a:solidFill>
-                  <a:schemeClr val="tx1"/>
-                </a:solidFill>
-                <a:effectLst/>
-                <a:latin typeface="Roboto" panose="02000000000000000000" pitchFamily="2" charset="0"/>
-              </a:rPr>
-              <a:t>Pokémons</a:t>
-            </a:r>
-            <a:r>
-              <a:rPr lang="en-US" altLang="zh-HK" i="0" dirty="0">
-                <a:solidFill>
-                  <a:schemeClr val="tx1"/>
-                </a:solidFill>
-                <a:effectLst/>
-                <a:latin typeface="Roboto" panose="02000000000000000000" pitchFamily="2" charset="0"/>
-              </a:rPr>
-              <a:t> are popular/strong/weak</a:t>
-            </a:r>
-          </a:p>
-          <a:p>
-            <a:pPr lvl="1"/>
-            <a:r>
-              <a:rPr lang="en-US" altLang="zh-HK" dirty="0">
-                <a:solidFill>
-                  <a:schemeClr val="tx1"/>
-                </a:solidFill>
-                <a:latin typeface="Roboto" panose="02000000000000000000" pitchFamily="2" charset="0"/>
-              </a:rPr>
-              <a:t>So that they can boost/buff/nerf them, balance the game</a:t>
-            </a:r>
-          </a:p>
-          <a:p>
-            <a:r>
-              <a:rPr lang="en-US" altLang="zh-HK" dirty="0">
-                <a:solidFill>
-                  <a:srgbClr val="0A0A0A"/>
-                </a:solidFill>
-                <a:latin typeface="Roboto" panose="02000000000000000000" pitchFamily="2" charset="0"/>
-              </a:rPr>
-              <a:t>For </a:t>
-            </a:r>
-            <a:r>
-              <a:rPr lang="en-US" altLang="zh-HK" i="0" dirty="0">
-                <a:solidFill>
-                  <a:schemeClr val="tx1"/>
-                </a:solidFill>
-                <a:effectLst/>
-                <a:latin typeface="Roboto" panose="02000000000000000000" pitchFamily="2" charset="0"/>
-              </a:rPr>
-              <a:t>Pokémon</a:t>
-            </a:r>
-            <a:r>
-              <a:rPr lang="en-US" altLang="zh-HK" dirty="0">
-                <a:solidFill>
-                  <a:srgbClr val="0A0A0A"/>
-                </a:solidFill>
-                <a:latin typeface="Roboto" panose="02000000000000000000" pitchFamily="2" charset="0"/>
-              </a:rPr>
-              <a:t> researchers: </a:t>
-            </a:r>
-          </a:p>
-          <a:p>
-            <a:pPr lvl="1"/>
-            <a:r>
-              <a:rPr lang="en-US" altLang="zh-HK" dirty="0">
-                <a:solidFill>
-                  <a:srgbClr val="0A0A0A"/>
-                </a:solidFill>
-                <a:latin typeface="Roboto" panose="02000000000000000000" pitchFamily="2" charset="0"/>
-              </a:rPr>
-              <a:t>Tell them </a:t>
-            </a:r>
-            <a:r>
-              <a:rPr lang="en-US" altLang="zh-HK" b="1" dirty="0">
-                <a:solidFill>
-                  <a:srgbClr val="0A0A0A"/>
-                </a:solidFill>
-                <a:latin typeface="Roboto" panose="02000000000000000000" pitchFamily="2" charset="0"/>
-              </a:rPr>
-              <a:t>Everything</a:t>
-            </a:r>
-            <a:endParaRPr lang="en-US" altLang="zh-HK" dirty="0">
-              <a:solidFill>
-                <a:srgbClr val="0A0A0A"/>
-              </a:solidFill>
-              <a:latin typeface="Roboto" panose="02000000000000000000" pitchFamily="2" charset="0"/>
-            </a:endParaRPr>
-          </a:p>
-          <a:p>
-            <a:pPr marL="0" indent="0">
-              <a:buNone/>
-            </a:pPr>
+              <a:t>Positive = win</a:t>
+            </a:r>
+          </a:p>
+          <a:p>
+            <a:r>
+              <a:rPr lang="en-US" altLang="zh-HK" dirty="0"/>
+              <a:t>Negative = Lose</a:t>
+            </a:r>
             <a:endParaRPr lang="zh-HK" altLang="en-US" dirty="0"/>
+          </a:p>
+        </p:txBody>
+      </p:sp>
+      <p:sp>
+        <p:nvSpPr>
+          <p:cNvPr id="5" name="矩形 4">
+            <a:extLst>
+              <a:ext uri="{FF2B5EF4-FFF2-40B4-BE49-F238E27FC236}">
+                <a16:creationId xmlns:a16="http://schemas.microsoft.com/office/drawing/2014/main" id="{7E575CB8-F3EB-40B2-B0AD-0C7C8AA5A5B4}"/>
+              </a:ext>
+            </a:extLst>
+          </p:cNvPr>
+          <p:cNvSpPr/>
+          <p:nvPr/>
+        </p:nvSpPr>
+        <p:spPr>
+          <a:xfrm>
+            <a:off x="7026341" y="1573252"/>
+            <a:ext cx="1979720" cy="914400"/>
+          </a:xfrm>
+          <a:prstGeom prst="rect">
+            <a:avLst/>
+          </a:prstGeom>
+          <a:noFill/>
+        </p:spPr>
+        <p:style>
+          <a:lnRef idx="2">
+            <a:schemeClr val="accent1">
+              <a:shade val="50000"/>
+            </a:schemeClr>
+          </a:lnRef>
+          <a:fillRef idx="1">
+            <a:schemeClr val="accent1"/>
+          </a:fillRef>
+          <a:effectRef idx="0">
+            <a:schemeClr val="accent1"/>
+          </a:effectRef>
+          <a:fontRef idx="minor">
+            <a:schemeClr val="lt1"/>
+          </a:fontRef>
+        </p:style>
+        <p:txBody>
+          <a:bodyPr rtlCol="0" anchor="ctr"/>
+          <a:lstStyle/>
+          <a:p>
+            <a:pPr algn="ctr"/>
+            <a:endParaRPr lang="zh-HK" altLang="en-US"/>
           </a:p>
         </p:txBody>
       </p:sp>
     </p:spTree>
     <p:extLst>
       <p:ext uri="{BB962C8B-B14F-4D97-AF65-F5344CB8AC3E}">
-        <p14:creationId xmlns:p14="http://schemas.microsoft.com/office/powerpoint/2010/main" val="955442960"/>
+        <p14:creationId xmlns:p14="http://schemas.microsoft.com/office/powerpoint/2010/main" val="1834593977"/>
       </p:ext>
     </p:extLst>
   </p:cSld>
@@ -9952,7 +9610,7 @@
           <p:cNvPr id="2" name="標題 1">
             <a:extLst>
               <a:ext uri="{FF2B5EF4-FFF2-40B4-BE49-F238E27FC236}">
-                <a16:creationId xmlns:a16="http://schemas.microsoft.com/office/drawing/2014/main" id="{780A9A98-10A4-449D-8B5A-170CB12BFDCC}"/>
+                <a16:creationId xmlns:a16="http://schemas.microsoft.com/office/drawing/2014/main" id="{13D44AB2-8062-41A4-9894-4559880C3034}"/>
               </a:ext>
             </a:extLst>
           </p:cNvPr>
@@ -9970,7 +9628,7 @@
           <a:p>
             <a:r>
               <a:rPr lang="en-US" altLang="zh-HK" dirty="0"/>
-              <a:t>Costs of mis-identifying </a:t>
+              <a:t>Can machine learning model help? </a:t>
             </a:r>
             <a:endParaRPr lang="zh-HK" altLang="en-US" dirty="0"/>
           </a:p>
@@ -9981,7 +9639,7 @@
           <p:cNvPr id="3" name="內容版面配置區 2">
             <a:extLst>
               <a:ext uri="{FF2B5EF4-FFF2-40B4-BE49-F238E27FC236}">
-                <a16:creationId xmlns:a16="http://schemas.microsoft.com/office/drawing/2014/main" id="{0ACA8E14-9D72-4F86-B215-93B733E79DF3}"/>
+                <a16:creationId xmlns:a16="http://schemas.microsoft.com/office/drawing/2014/main" id="{9E8050AD-C696-4D1F-896C-F69013D6AEAE}"/>
               </a:ext>
             </a:extLst>
           </p:cNvPr>
@@ -9997,132 +9655,44 @@
           <a:bodyPr/>
           <a:lstStyle/>
           <a:p>
-            <a:pPr marL="0" indent="0">
-              <a:buNone/>
-            </a:pPr>
-            <a:r>
-              <a:rPr lang="en-US" altLang="zh-HK" dirty="0"/>
-              <a:t>In my opinion:  </a:t>
-            </a:r>
-          </a:p>
-          <a:p>
-            <a:r>
-              <a:rPr lang="en-US" altLang="zh-HK" dirty="0"/>
-              <a:t>Cost of False Negative &gt; Cost of False positive</a:t>
-            </a:r>
-          </a:p>
-          <a:p>
-            <a:r>
-              <a:rPr lang="en-US" altLang="zh-HK" dirty="0"/>
-              <a:t>no penalty on losing a battle, but emotional or psychological  </a:t>
-            </a:r>
-          </a:p>
-          <a:p>
-            <a:r>
-              <a:rPr lang="en-US" altLang="zh-HK" dirty="0"/>
-              <a:t>The cost of negative is decided to be twice as much as cost of positive, due to Loss aversion by Amos Tversky and Daniel </a:t>
-            </a:r>
-            <a:r>
-              <a:rPr lang="en-US" altLang="zh-HK"/>
-              <a:t>Kahneman.</a:t>
-            </a:r>
-            <a:endParaRPr lang="en-US" altLang="zh-HK" dirty="0"/>
-          </a:p>
-        </p:txBody>
-      </p:sp>
-      <p:sp>
-        <p:nvSpPr>
-          <p:cNvPr id="4" name="文字方塊 3">
-            <a:extLst>
-              <a:ext uri="{FF2B5EF4-FFF2-40B4-BE49-F238E27FC236}">
-                <a16:creationId xmlns:a16="http://schemas.microsoft.com/office/drawing/2014/main" id="{3C381C86-B0AC-4062-8CF2-3271EEFF1570}"/>
-              </a:ext>
-            </a:extLst>
-          </p:cNvPr>
-          <p:cNvSpPr txBox="1"/>
-          <p:nvPr/>
-        </p:nvSpPr>
-        <p:spPr>
-          <a:xfrm>
-            <a:off x="7240210" y="1722329"/>
-            <a:ext cx="1899821" cy="646331"/>
-          </a:xfrm>
-          <a:prstGeom prst="rect">
-            <a:avLst/>
-          </a:prstGeom>
-          <a:noFill/>
-        </p:spPr>
-        <p:txBody>
-          <a:bodyPr wrap="square" rtlCol="0">
-            <a:spAutoFit/>
-          </a:bodyPr>
-          <a:lstStyle/>
-          <a:p>
-            <a:r>
-              <a:rPr lang="en-US" altLang="zh-HK" dirty="0"/>
-              <a:t>Positive = win</a:t>
-            </a:r>
-          </a:p>
-          <a:p>
-            <a:r>
-              <a:rPr lang="en-US" altLang="zh-HK" dirty="0"/>
-              <a:t>Negative = Lose</a:t>
+            <a:r>
+              <a:rPr lang="en-US" altLang="zh-HK" dirty="0"/>
+              <a:t>Not sure</a:t>
+            </a:r>
+          </a:p>
+          <a:p>
+            <a:r>
+              <a:rPr lang="en-US" altLang="zh-HK" dirty="0"/>
+              <a:t>But we can always try</a:t>
+            </a:r>
+          </a:p>
+          <a:p>
+            <a:r>
+              <a:rPr lang="en-US" altLang="zh-HK" dirty="0"/>
+              <a:t>Aim to classify each battle by just looking at </a:t>
+            </a:r>
+            <a:r>
+              <a:rPr lang="en-US" altLang="zh-HK" dirty="0" err="1"/>
+              <a:t>pokemons</a:t>
+            </a:r>
+            <a:r>
+              <a:rPr lang="en-US" altLang="zh-HK" dirty="0"/>
+              <a:t>’ base stats  </a:t>
+            </a:r>
+          </a:p>
+          <a:p>
+            <a:r>
+              <a:rPr lang="en-US" altLang="zh-HK" dirty="0"/>
+              <a:t>Since classification problems, ROC, AUC and confusion matrix is going to be the measurement of success and indicator of model training and selection</a:t>
             </a:r>
             <a:endParaRPr lang="zh-HK" altLang="en-US" dirty="0"/>
-          </a:p>
-        </p:txBody>
-      </p:sp>
-      <p:sp>
-        <p:nvSpPr>
-          <p:cNvPr id="5" name="矩形 4">
-            <a:extLst>
-              <a:ext uri="{FF2B5EF4-FFF2-40B4-BE49-F238E27FC236}">
-                <a16:creationId xmlns:a16="http://schemas.microsoft.com/office/drawing/2014/main" id="{7E575CB8-F3EB-40B2-B0AD-0C7C8AA5A5B4}"/>
-              </a:ext>
-            </a:extLst>
-          </p:cNvPr>
-          <p:cNvSpPr/>
-          <p:nvPr/>
-        </p:nvSpPr>
-        <p:spPr>
-          <a:xfrm>
-            <a:off x="7026341" y="1573252"/>
-            <a:ext cx="1979720" cy="914400"/>
-          </a:xfrm>
-          <a:prstGeom prst="rect">
-            <a:avLst/>
-          </a:prstGeom>
-          <a:noFill/>
-        </p:spPr>
-        <p:style>
-          <a:lnRef idx="2">
-            <a:schemeClr val="accent1">
-              <a:shade val="50000"/>
-            </a:schemeClr>
-          </a:lnRef>
-          <a:fillRef idx="1">
-            <a:schemeClr val="accent1"/>
-          </a:fillRef>
-          <a:effectRef idx="0">
-            <a:schemeClr val="accent1"/>
-          </a:effectRef>
-          <a:fontRef idx="minor">
-            <a:schemeClr val="lt1"/>
-          </a:fontRef>
-        </p:style>
-        <p:txBody>
-          <a:bodyPr rtlCol="0" anchor="ctr"/>
-          <a:lstStyle/>
-          <a:p>
-            <a:pPr algn="ctr"/>
-            <a:endParaRPr lang="zh-HK" altLang="en-US"/>
           </a:p>
         </p:txBody>
       </p:sp>
     </p:spTree>
     <p:extLst>
       <p:ext uri="{BB962C8B-B14F-4D97-AF65-F5344CB8AC3E}">
-        <p14:creationId xmlns:p14="http://schemas.microsoft.com/office/powerpoint/2010/main" val="1834593977"/>
+        <p14:creationId xmlns:p14="http://schemas.microsoft.com/office/powerpoint/2010/main" val="1037825828"/>
       </p:ext>
     </p:extLst>
   </p:cSld>
@@ -10154,120 +9724,6 @@
           <p:cNvPr id="2" name="標題 1">
             <a:extLst>
               <a:ext uri="{FF2B5EF4-FFF2-40B4-BE49-F238E27FC236}">
-                <a16:creationId xmlns:a16="http://schemas.microsoft.com/office/drawing/2014/main" id="{13D44AB2-8062-41A4-9894-4559880C3034}"/>
-              </a:ext>
-            </a:extLst>
-          </p:cNvPr>
-          <p:cNvSpPr>
-            <a:spLocks noGrp="1"/>
-          </p:cNvSpPr>
-          <p:nvPr>
-            <p:ph type="title"/>
-          </p:nvPr>
-        </p:nvSpPr>
-        <p:spPr/>
-        <p:txBody>
-          <a:bodyPr/>
-          <a:lstStyle/>
-          <a:p>
-            <a:r>
-              <a:rPr lang="en-US" altLang="zh-HK" dirty="0"/>
-              <a:t>Can machine learning model help? </a:t>
-            </a:r>
-            <a:endParaRPr lang="zh-HK" altLang="en-US" dirty="0"/>
-          </a:p>
-        </p:txBody>
-      </p:sp>
-      <p:sp>
-        <p:nvSpPr>
-          <p:cNvPr id="3" name="內容版面配置區 2">
-            <a:extLst>
-              <a:ext uri="{FF2B5EF4-FFF2-40B4-BE49-F238E27FC236}">
-                <a16:creationId xmlns:a16="http://schemas.microsoft.com/office/drawing/2014/main" id="{9E8050AD-C696-4D1F-896C-F69013D6AEAE}"/>
-              </a:ext>
-            </a:extLst>
-          </p:cNvPr>
-          <p:cNvSpPr>
-            <a:spLocks noGrp="1"/>
-          </p:cNvSpPr>
-          <p:nvPr>
-            <p:ph idx="1"/>
-          </p:nvPr>
-        </p:nvSpPr>
-        <p:spPr/>
-        <p:txBody>
-          <a:bodyPr/>
-          <a:lstStyle/>
-          <a:p>
-            <a:r>
-              <a:rPr lang="en-US" altLang="zh-HK" dirty="0"/>
-              <a:t>Not sure</a:t>
-            </a:r>
-          </a:p>
-          <a:p>
-            <a:r>
-              <a:rPr lang="en-US" altLang="zh-HK" dirty="0"/>
-              <a:t>But we can always try</a:t>
-            </a:r>
-          </a:p>
-          <a:p>
-            <a:r>
-              <a:rPr lang="en-US" altLang="zh-HK" dirty="0"/>
-              <a:t>Aim to classify each battle by just looking at </a:t>
-            </a:r>
-            <a:r>
-              <a:rPr lang="en-US" altLang="zh-HK" dirty="0" err="1"/>
-              <a:t>pokemons</a:t>
-            </a:r>
-            <a:r>
-              <a:rPr lang="en-US" altLang="zh-HK" dirty="0"/>
-              <a:t>’ base stats  </a:t>
-            </a:r>
-          </a:p>
-          <a:p>
-            <a:r>
-              <a:rPr lang="en-US" altLang="zh-HK" dirty="0"/>
-              <a:t>Since classification problems, ROC, AUC and confusion matrix is going to be the measurement of success and indicator of model training and selection</a:t>
-            </a:r>
-            <a:endParaRPr lang="zh-HK" altLang="en-US" dirty="0"/>
-          </a:p>
-        </p:txBody>
-      </p:sp>
-    </p:spTree>
-    <p:extLst>
-      <p:ext uri="{BB962C8B-B14F-4D97-AF65-F5344CB8AC3E}">
-        <p14:creationId xmlns:p14="http://schemas.microsoft.com/office/powerpoint/2010/main" val="1037825828"/>
-      </p:ext>
-    </p:extLst>
-  </p:cSld>
-  <p:clrMapOvr>
-    <a:masterClrMapping/>
-  </p:clrMapOvr>
-</p:sld>
-</file>
-
-<file path=ppt/slides/slide8.xml><?xml version="1.0" encoding="utf-8"?>
-<p:sld xmlns:a="http://schemas.openxmlformats.org/drawingml/2006/main" xmlns:r="http://schemas.openxmlformats.org/officeDocument/2006/relationships" xmlns:p="http://schemas.openxmlformats.org/presentationml/2006/main">
-  <p:cSld>
-    <p:spTree>
-      <p:nvGrpSpPr>
-        <p:cNvPr id="1" name=""/>
-        <p:cNvGrpSpPr/>
-        <p:nvPr/>
-      </p:nvGrpSpPr>
-      <p:grpSpPr>
-        <a:xfrm>
-          <a:off x="0" y="0"/>
-          <a:ext cx="0" cy="0"/>
-          <a:chOff x="0" y="0"/>
-          <a:chExt cx="0" cy="0"/>
-        </a:xfrm>
-      </p:grpSpPr>
-      <p:sp>
-        <p:nvSpPr>
-          <p:cNvPr id="2" name="標題 1">
-            <a:extLst>
-              <a:ext uri="{FF2B5EF4-FFF2-40B4-BE49-F238E27FC236}">
                 <a16:creationId xmlns:a16="http://schemas.microsoft.com/office/drawing/2014/main" id="{DDFF85E8-465A-41E3-9FB2-D8655FA24DD5}"/>
               </a:ext>
             </a:extLst>
@@ -10378,7 +9834,7 @@
 </p:sld>
 </file>
 
-<file path=ppt/slides/slide9.xml><?xml version="1.0" encoding="utf-8"?>
+<file path=ppt/slides/slide8.xml><?xml version="1.0" encoding="utf-8"?>
 <p:sld xmlns:a="http://schemas.openxmlformats.org/drawingml/2006/main" xmlns:r="http://schemas.openxmlformats.org/officeDocument/2006/relationships" xmlns:p="http://schemas.openxmlformats.org/presentationml/2006/main">
   <p:cSld>
     <p:spTree>
@@ -10506,6 +9962,154 @@
     <p:extLst>
       <p:ext uri="{BB962C8B-B14F-4D97-AF65-F5344CB8AC3E}">
         <p14:creationId xmlns:p14="http://schemas.microsoft.com/office/powerpoint/2010/main" val="2378949467"/>
+      </p:ext>
+    </p:extLst>
+  </p:cSld>
+  <p:clrMapOvr>
+    <a:masterClrMapping/>
+  </p:clrMapOvr>
+</p:sld>
+</file>
+
+<file path=ppt/slides/slide9.xml><?xml version="1.0" encoding="utf-8"?>
+<p:sld xmlns:a="http://schemas.openxmlformats.org/drawingml/2006/main" xmlns:r="http://schemas.openxmlformats.org/officeDocument/2006/relationships" xmlns:p="http://schemas.openxmlformats.org/presentationml/2006/main">
+  <p:cSld>
+    <p:spTree>
+      <p:nvGrpSpPr>
+        <p:cNvPr id="1" name=""/>
+        <p:cNvGrpSpPr/>
+        <p:nvPr/>
+      </p:nvGrpSpPr>
+      <p:grpSpPr>
+        <a:xfrm>
+          <a:off x="0" y="0"/>
+          <a:ext cx="0" cy="0"/>
+          <a:chOff x="0" y="0"/>
+          <a:chExt cx="0" cy="0"/>
+        </a:xfrm>
+      </p:grpSpPr>
+      <p:sp>
+        <p:nvSpPr>
+          <p:cNvPr id="2" name="標題 1">
+            <a:extLst>
+              <a:ext uri="{FF2B5EF4-FFF2-40B4-BE49-F238E27FC236}">
+                <a16:creationId xmlns:a16="http://schemas.microsoft.com/office/drawing/2014/main" id="{007AEB34-9563-4734-8B5D-BC2C3851CD30}"/>
+              </a:ext>
+            </a:extLst>
+          </p:cNvPr>
+          <p:cNvSpPr>
+            <a:spLocks noGrp="1"/>
+          </p:cNvSpPr>
+          <p:nvPr>
+            <p:ph type="title"/>
+          </p:nvPr>
+        </p:nvSpPr>
+        <p:spPr/>
+        <p:txBody>
+          <a:bodyPr/>
+          <a:lstStyle/>
+          <a:p>
+            <a:r>
+              <a:rPr lang="en-US" altLang="zh-HK" dirty="0"/>
+              <a:t>Data collection </a:t>
+            </a:r>
+            <a:endParaRPr lang="zh-HK" altLang="en-US" dirty="0"/>
+          </a:p>
+        </p:txBody>
+      </p:sp>
+      <p:sp>
+        <p:nvSpPr>
+          <p:cNvPr id="3" name="內容版面配置區 2">
+            <a:extLst>
+              <a:ext uri="{FF2B5EF4-FFF2-40B4-BE49-F238E27FC236}">
+                <a16:creationId xmlns:a16="http://schemas.microsoft.com/office/drawing/2014/main" id="{FC914F9B-4F2F-4D4E-816D-35AEF4651824}"/>
+              </a:ext>
+            </a:extLst>
+          </p:cNvPr>
+          <p:cNvSpPr>
+            <a:spLocks noGrp="1"/>
+          </p:cNvSpPr>
+          <p:nvPr>
+            <p:ph idx="1"/>
+          </p:nvPr>
+        </p:nvSpPr>
+        <p:spPr/>
+        <p:txBody>
+          <a:bodyPr/>
+          <a:lstStyle/>
+          <a:p>
+            <a:r>
+              <a:rPr lang="en-US" altLang="zh-HK" dirty="0"/>
+              <a:t>Pokémon 1v1 battle data, from </a:t>
+            </a:r>
+            <a:r>
+              <a:rPr lang="en-US" altLang="zh-HK" dirty="0">
+                <a:solidFill>
+                  <a:srgbClr val="0070C0"/>
+                </a:solidFill>
+                <a:hlinkClick r:id="rId2"/>
+              </a:rPr>
+              <a:t>https://pokemonshowdown.com/</a:t>
+            </a:r>
+            <a:r>
+              <a:rPr lang="en-US" altLang="zh-HK" dirty="0">
+                <a:solidFill>
+                  <a:srgbClr val="0070C0"/>
+                </a:solidFill>
+              </a:rPr>
+              <a:t> </a:t>
+            </a:r>
+            <a:endParaRPr lang="zh-HK" altLang="en-US" dirty="0">
+              <a:solidFill>
+                <a:srgbClr val="0070C0"/>
+              </a:solidFill>
+            </a:endParaRPr>
+          </a:p>
+          <a:p>
+            <a:endParaRPr lang="zh-HK" altLang="en-US" dirty="0"/>
+          </a:p>
+        </p:txBody>
+      </p:sp>
+      <p:pic>
+        <p:nvPicPr>
+          <p:cNvPr id="5" name="圖片 4" descr="一張含有 文字 的圖片&#10;&#10;自動產生的描述">
+            <a:extLst>
+              <a:ext uri="{FF2B5EF4-FFF2-40B4-BE49-F238E27FC236}">
+                <a16:creationId xmlns:a16="http://schemas.microsoft.com/office/drawing/2014/main" id="{59BEFDA7-02C6-427F-9757-D887AD0FB609}"/>
+              </a:ext>
+            </a:extLst>
+          </p:cNvPr>
+          <p:cNvPicPr>
+            <a:picLocks noChangeAspect="1"/>
+          </p:cNvPicPr>
+          <p:nvPr/>
+        </p:nvPicPr>
+        <p:blipFill>
+          <a:blip r:embed="rId3">
+            <a:extLst>
+              <a:ext uri="{28A0092B-C50C-407E-A947-70E740481C1C}">
+                <a14:useLocalDpi xmlns:a14="http://schemas.microsoft.com/office/drawing/2010/main" val="0"/>
+              </a:ext>
+            </a:extLst>
+          </a:blip>
+          <a:stretch>
+            <a:fillRect/>
+          </a:stretch>
+        </p:blipFill>
+        <p:spPr>
+          <a:xfrm>
+            <a:off x="2054642" y="2641434"/>
+            <a:ext cx="5757863" cy="4011402"/>
+          </a:xfrm>
+          <a:prstGeom prst="rect">
+            <a:avLst/>
+          </a:prstGeom>
+        </p:spPr>
+      </p:pic>
+    </p:spTree>
+    <p:extLst>
+      <p:ext uri="{BB962C8B-B14F-4D97-AF65-F5344CB8AC3E}">
+        <p14:creationId xmlns:p14="http://schemas.microsoft.com/office/powerpoint/2010/main" val="585338777"/>
       </p:ext>
     </p:extLst>
   </p:cSld>
